--- a/ropython/ep15/argus.pptx
+++ b/ropython/ep15/argus.pptx
@@ -12,6 +12,20 @@
     <p:sldId id="260" r:id="rId6"/>
     <p:sldId id="261" r:id="rId7"/>
     <p:sldId id="262" r:id="rId8"/>
+    <p:sldId id="263" r:id="rId9"/>
+    <p:sldId id="269" r:id="rId10"/>
+    <p:sldId id="264" r:id="rId11"/>
+    <p:sldId id="265" r:id="rId12"/>
+    <p:sldId id="266" r:id="rId13"/>
+    <p:sldId id="270" r:id="rId14"/>
+    <p:sldId id="268" r:id="rId15"/>
+    <p:sldId id="267" r:id="rId16"/>
+    <p:sldId id="271" r:id="rId17"/>
+    <p:sldId id="273" r:id="rId18"/>
+    <p:sldId id="272" r:id="rId19"/>
+    <p:sldId id="274" r:id="rId20"/>
+    <p:sldId id="275" r:id="rId21"/>
+    <p:sldId id="276" r:id="rId22"/>
   </p:sldIdLst>
   <p:sldSz cx="12192000" cy="6858000"/>
   <p:notesSz cx="6858000" cy="9144000"/>
@@ -110,6 +124,11 @@
       </a:defRPr>
     </a:lvl9pPr>
   </p:defaultTextStyle>
+  <p:extLst>
+    <p:ext uri="{EFAFB233-063F-42B5-8137-9DF3F51BA10A}">
+      <p15:sldGuideLst xmlns:p15="http://schemas.microsoft.com/office/powerpoint/2012/main"/>
+    </p:ext>
+  </p:extLst>
 </p:presentation>
 </file>
 
@@ -284,7 +303,7 @@
           <a:p>
             <a:fld id="{48A87A34-81AB-432B-8DAE-1953F412C126}" type="datetimeFigureOut">
               <a:rPr lang="en-US" dirty="0"/>
-              <a:t>06-Jul-15</a:t>
+              <a:t>08-Jul-15</a:t>
             </a:fld>
             <a:endParaRPr lang="en-US" dirty="0"/>
           </a:p>
@@ -591,7 +610,7 @@
           <a:p>
             <a:fld id="{48A87A34-81AB-432B-8DAE-1953F412C126}" type="datetimeFigureOut">
               <a:rPr lang="en-US" dirty="0"/>
-              <a:t>06-Jul-15</a:t>
+              <a:t>08-Jul-15</a:t>
             </a:fld>
             <a:endParaRPr lang="en-US" dirty="0"/>
           </a:p>
@@ -808,7 +827,7 @@
           <a:p>
             <a:fld id="{48A87A34-81AB-432B-8DAE-1953F412C126}" type="datetimeFigureOut">
               <a:rPr lang="en-US" dirty="0"/>
-              <a:t>06-Jul-15</a:t>
+              <a:t>08-Jul-15</a:t>
             </a:fld>
             <a:endParaRPr lang="en-US" dirty="0"/>
           </a:p>
@@ -1094,7 +1113,7 @@
           <a:p>
             <a:fld id="{48A87A34-81AB-432B-8DAE-1953F412C126}" type="datetimeFigureOut">
               <a:rPr lang="en-US" dirty="0"/>
-              <a:t>06-Jul-15</a:t>
+              <a:t>08-Jul-15</a:t>
             </a:fld>
             <a:endParaRPr lang="en-US" dirty="0"/>
           </a:p>
@@ -1543,7 +1562,7 @@
           <a:p>
             <a:fld id="{48A87A34-81AB-432B-8DAE-1953F412C126}" type="datetimeFigureOut">
               <a:rPr lang="en-US" dirty="0"/>
-              <a:t>06-Jul-15</a:t>
+              <a:t>08-Jul-15</a:t>
             </a:fld>
             <a:endParaRPr lang="en-US" dirty="0"/>
           </a:p>
@@ -2114,7 +2133,7 @@
           <a:p>
             <a:fld id="{48A87A34-81AB-432B-8DAE-1953F412C126}" type="datetimeFigureOut">
               <a:rPr lang="en-US" dirty="0"/>
-              <a:t>06-Jul-15</a:t>
+              <a:t>08-Jul-15</a:t>
             </a:fld>
             <a:endParaRPr lang="en-US" dirty="0"/>
           </a:p>
@@ -2961,7 +2980,7 @@
           <a:p>
             <a:fld id="{48A87A34-81AB-432B-8DAE-1953F412C126}" type="datetimeFigureOut">
               <a:rPr lang="en-US" dirty="0"/>
-              <a:t>06-Jul-15</a:t>
+              <a:t>08-Jul-15</a:t>
             </a:fld>
             <a:endParaRPr lang="en-US" dirty="0"/>
           </a:p>
@@ -3161,7 +3180,7 @@
           <a:p>
             <a:fld id="{48A87A34-81AB-432B-8DAE-1953F412C126}" type="datetimeFigureOut">
               <a:rPr lang="en-US" dirty="0"/>
-              <a:t>06-Jul-15</a:t>
+              <a:t>08-Jul-15</a:t>
             </a:fld>
             <a:endParaRPr lang="en-US" dirty="0"/>
           </a:p>
@@ -3370,7 +3389,7 @@
           <a:p>
             <a:fld id="{48A87A34-81AB-432B-8DAE-1953F412C126}" type="datetimeFigureOut">
               <a:rPr lang="en-US" dirty="0"/>
-              <a:t>06-Jul-15</a:t>
+              <a:t>08-Jul-15</a:t>
             </a:fld>
             <a:endParaRPr lang="en-US" dirty="0"/>
           </a:p>
@@ -3570,7 +3589,7 @@
           <a:p>
             <a:fld id="{48A87A34-81AB-432B-8DAE-1953F412C126}" type="datetimeFigureOut">
               <a:rPr lang="en-US" dirty="0"/>
-              <a:t>06-Jul-15</a:t>
+              <a:t>08-Jul-15</a:t>
             </a:fld>
             <a:endParaRPr lang="en-US" dirty="0"/>
           </a:p>
@@ -3845,7 +3864,7 @@
           <a:p>
             <a:fld id="{48A87A34-81AB-432B-8DAE-1953F412C126}" type="datetimeFigureOut">
               <a:rPr lang="en-US" dirty="0"/>
-              <a:t>06-Jul-15</a:t>
+              <a:t>08-Jul-15</a:t>
             </a:fld>
             <a:endParaRPr lang="en-US" dirty="0"/>
           </a:p>
@@ -4107,7 +4126,7 @@
           <a:p>
             <a:fld id="{48A87A34-81AB-432B-8DAE-1953F412C126}" type="datetimeFigureOut">
               <a:rPr lang="en-US" dirty="0"/>
-              <a:t>06-Jul-15</a:t>
+              <a:t>08-Jul-15</a:t>
             </a:fld>
             <a:endParaRPr lang="en-US" dirty="0"/>
           </a:p>
@@ -4517,7 +4536,7 @@
           <a:p>
             <a:fld id="{48A87A34-81AB-432B-8DAE-1953F412C126}" type="datetimeFigureOut">
               <a:rPr lang="en-US" dirty="0"/>
-              <a:t>06-Jul-15</a:t>
+              <a:t>08-Jul-15</a:t>
             </a:fld>
             <a:endParaRPr lang="en-US" dirty="0"/>
           </a:p>
@@ -4660,7 +4679,7 @@
           <a:p>
             <a:fld id="{48A87A34-81AB-432B-8DAE-1953F412C126}" type="datetimeFigureOut">
               <a:rPr lang="en-US" dirty="0"/>
-              <a:t>06-Jul-15</a:t>
+              <a:t>08-Jul-15</a:t>
             </a:fld>
             <a:endParaRPr lang="en-US" dirty="0"/>
           </a:p>
@@ -4780,7 +4799,7 @@
           <a:p>
             <a:fld id="{48A87A34-81AB-432B-8DAE-1953F412C126}" type="datetimeFigureOut">
               <a:rPr lang="en-US" dirty="0"/>
-              <a:t>06-Jul-15</a:t>
+              <a:t>08-Jul-15</a:t>
             </a:fld>
             <a:endParaRPr lang="en-US" dirty="0"/>
           </a:p>
@@ -5054,7 +5073,7 @@
           <a:p>
             <a:fld id="{48A87A34-81AB-432B-8DAE-1953F412C126}" type="datetimeFigureOut">
               <a:rPr lang="en-US" dirty="0"/>
-              <a:t>06-Jul-15</a:t>
+              <a:t>08-Jul-15</a:t>
             </a:fld>
             <a:endParaRPr lang="en-US" dirty="0"/>
           </a:p>
@@ -5361,7 +5380,7 @@
           <a:p>
             <a:fld id="{48A87A34-81AB-432B-8DAE-1953F412C126}" type="datetimeFigureOut">
               <a:rPr lang="en-US" dirty="0"/>
-              <a:t>06-Jul-15</a:t>
+              <a:t>08-Jul-15</a:t>
             </a:fld>
             <a:endParaRPr lang="en-US" dirty="0"/>
           </a:p>
@@ -5610,7 +5629,7 @@
             <a:fld id="{48A87A34-81AB-432B-8DAE-1953F412C126}" type="datetimeFigureOut">
               <a:rPr lang="en-US" dirty="0"/>
               <a:pPr/>
-              <a:t>06-Jul-15</a:t>
+              <a:t>08-Jul-15</a:t>
             </a:fld>
             <a:endParaRPr lang="en-US" dirty="0"/>
           </a:p>
@@ -6127,8 +6146,8 @@
         </p:nvSpPr>
         <p:spPr>
           <a:xfrm>
-            <a:off x="5138466" y="3681710"/>
-            <a:ext cx="3433314" cy="1200329"/>
+            <a:off x="5009070" y="3371158"/>
+            <a:ext cx="4247074" cy="1200329"/>
           </a:xfrm>
           <a:prstGeom prst="rect">
             <a:avLst/>
@@ -6143,7 +6162,7 @@
           <a:p>
             <a:r>
               <a:rPr lang="en-US" sz="2400" dirty="0" smtClean="0"/>
-              <a:t>Co-Founder @ </a:t>
+              <a:t>Co-Founder       @  </a:t>
             </a:r>
             <a:r>
               <a:rPr lang="en-US" sz="2400" dirty="0" err="1" smtClean="0"/>
@@ -6154,7 +6173,7 @@
           <a:p>
             <a:r>
               <a:rPr lang="en-US" sz="2400" dirty="0" smtClean="0"/>
-              <a:t>Employee    @ </a:t>
+              <a:t>Cloud Engineer  @  </a:t>
             </a:r>
             <a:r>
               <a:rPr lang="en-US" sz="2400" dirty="0" err="1" smtClean="0"/>
@@ -6165,7 +6184,7 @@
           <a:p>
             <a:r>
               <a:rPr lang="en-US" sz="2400" dirty="0" smtClean="0"/>
-              <a:t>Student       @ UAIC</a:t>
+              <a:t>Student             @  UAIC</a:t>
             </a:r>
             <a:endParaRPr lang="en-US" sz="2400" dirty="0"/>
           </a:p>
@@ -6219,6 +6238,1833 @@
     <p:extLst>
       <p:ext uri="{BB962C8B-B14F-4D97-AF65-F5344CB8AC3E}">
         <p14:creationId xmlns:p14="http://schemas.microsoft.com/office/powerpoint/2010/main" val="252784597"/>
+      </p:ext>
+    </p:extLst>
+  </p:cSld>
+  <p:clrMapOvr>
+    <a:masterClrMapping/>
+  </p:clrMapOvr>
+  <p:timing>
+    <p:tnLst>
+      <p:par>
+        <p:cTn id="1" dur="indefinite" restart="never" nodeType="tmRoot"/>
+      </p:par>
+    </p:tnLst>
+  </p:timing>
+</p:sld>
+</file>
+
+<file path=ppt/slides/slide10.xml><?xml version="1.0" encoding="utf-8"?>
+<p:sld xmlns:a="http://schemas.openxmlformats.org/drawingml/2006/main" xmlns:r="http://schemas.openxmlformats.org/officeDocument/2006/relationships" xmlns:p="http://schemas.openxmlformats.org/presentationml/2006/main">
+  <p:cSld>
+    <p:spTree>
+      <p:nvGrpSpPr>
+        <p:cNvPr id="1" name=""/>
+        <p:cNvGrpSpPr/>
+        <p:nvPr/>
+      </p:nvGrpSpPr>
+      <p:grpSpPr>
+        <a:xfrm>
+          <a:off x="0" y="0"/>
+          <a:ext cx="0" cy="0"/>
+          <a:chOff x="0" y="0"/>
+          <a:chExt cx="0" cy="0"/>
+        </a:xfrm>
+      </p:grpSpPr>
+      <p:sp>
+        <p:nvSpPr>
+          <p:cNvPr id="2" name="Title 1"/>
+          <p:cNvSpPr>
+            <a:spLocks noGrp="1"/>
+          </p:cNvSpPr>
+          <p:nvPr>
+            <p:ph type="title"/>
+          </p:nvPr>
+        </p:nvSpPr>
+        <p:spPr>
+          <a:xfrm>
+            <a:off x="965531" y="6047"/>
+            <a:ext cx="10364451" cy="1596177"/>
+          </a:xfrm>
+        </p:spPr>
+        <p:txBody>
+          <a:bodyPr>
+            <a:normAutofit/>
+          </a:bodyPr>
+          <a:lstStyle/>
+          <a:p>
+            <a:r>
+              <a:rPr lang="en-US" sz="4800" cap="none" dirty="0" smtClean="0"/>
+              <a:t>Argus</a:t>
+            </a:r>
+            <a:endParaRPr lang="en-US" sz="4800" dirty="0"/>
+          </a:p>
+        </p:txBody>
+      </p:sp>
+      <p:sp>
+        <p:nvSpPr>
+          <p:cNvPr id="5" name="Content Placeholder 2"/>
+          <p:cNvSpPr>
+            <a:spLocks noGrp="1"/>
+          </p:cNvSpPr>
+          <p:nvPr>
+            <p:ph sz="quarter" idx="13"/>
+          </p:nvPr>
+        </p:nvSpPr>
+        <p:spPr>
+          <a:xfrm>
+            <a:off x="1543498" y="1547588"/>
+            <a:ext cx="10363826" cy="4559914"/>
+          </a:xfrm>
+        </p:spPr>
+        <p:txBody>
+          <a:bodyPr>
+            <a:noAutofit/>
+          </a:bodyPr>
+          <a:lstStyle/>
+          <a:p>
+            <a:pPr>
+              <a:buFontTx/>
+              <a:buChar char="-"/>
+            </a:pPr>
+            <a:r>
+              <a:rPr lang="en-US" sz="2400" cap="none" dirty="0" smtClean="0"/>
+              <a:t>Uses tempest</a:t>
+            </a:r>
+          </a:p>
+          <a:p>
+            <a:pPr>
+              <a:buFontTx/>
+              <a:buChar char="-"/>
+            </a:pPr>
+            <a:r>
+              <a:rPr lang="en-US" sz="2400" cap="none" dirty="0" smtClean="0"/>
+              <a:t>Scenario based</a:t>
+            </a:r>
+          </a:p>
+          <a:p>
+            <a:pPr>
+              <a:buFontTx/>
+              <a:buChar char="-"/>
+            </a:pPr>
+            <a:r>
+              <a:rPr lang="en-US" sz="2400" cap="none" dirty="0" err="1" smtClean="0"/>
+              <a:t>Unittest</a:t>
+            </a:r>
+            <a:r>
+              <a:rPr lang="en-US" sz="2400" cap="none" dirty="0" smtClean="0"/>
+              <a:t>-like reports</a:t>
+            </a:r>
+          </a:p>
+          <a:p>
+            <a:pPr>
+              <a:buFontTx/>
+              <a:buChar char="-"/>
+            </a:pPr>
+            <a:r>
+              <a:rPr lang="en-US" sz="2400" cap="none" dirty="0" err="1" smtClean="0"/>
+              <a:t>Conf</a:t>
+            </a:r>
+            <a:r>
+              <a:rPr lang="en-US" sz="2400" cap="none" dirty="0" smtClean="0"/>
+              <a:t> level tests</a:t>
+            </a:r>
+          </a:p>
+        </p:txBody>
+      </p:sp>
+    </p:spTree>
+    <p:extLst>
+      <p:ext uri="{BB962C8B-B14F-4D97-AF65-F5344CB8AC3E}">
+        <p14:creationId xmlns:p14="http://schemas.microsoft.com/office/powerpoint/2010/main" val="51413781"/>
+      </p:ext>
+    </p:extLst>
+  </p:cSld>
+  <p:clrMapOvr>
+    <a:masterClrMapping/>
+  </p:clrMapOvr>
+  <p:timing>
+    <p:tnLst>
+      <p:par>
+        <p:cTn id="1" dur="indefinite" restart="never" nodeType="tmRoot"/>
+      </p:par>
+    </p:tnLst>
+  </p:timing>
+</p:sld>
+</file>
+
+<file path=ppt/slides/slide11.xml><?xml version="1.0" encoding="utf-8"?>
+<p:sld xmlns:a="http://schemas.openxmlformats.org/drawingml/2006/main" xmlns:r="http://schemas.openxmlformats.org/officeDocument/2006/relationships" xmlns:p="http://schemas.openxmlformats.org/presentationml/2006/main">
+  <p:cSld>
+    <p:spTree>
+      <p:nvGrpSpPr>
+        <p:cNvPr id="1" name=""/>
+        <p:cNvGrpSpPr/>
+        <p:nvPr/>
+      </p:nvGrpSpPr>
+      <p:grpSpPr>
+        <a:xfrm>
+          <a:off x="0" y="0"/>
+          <a:ext cx="0" cy="0"/>
+          <a:chOff x="0" y="0"/>
+          <a:chExt cx="0" cy="0"/>
+        </a:xfrm>
+      </p:grpSpPr>
+      <p:sp>
+        <p:nvSpPr>
+          <p:cNvPr id="2" name="Title 1"/>
+          <p:cNvSpPr>
+            <a:spLocks noGrp="1"/>
+          </p:cNvSpPr>
+          <p:nvPr>
+            <p:ph type="title"/>
+          </p:nvPr>
+        </p:nvSpPr>
+        <p:spPr>
+          <a:xfrm>
+            <a:off x="965531" y="6047"/>
+            <a:ext cx="10364451" cy="1596177"/>
+          </a:xfrm>
+        </p:spPr>
+        <p:txBody>
+          <a:bodyPr>
+            <a:normAutofit/>
+          </a:bodyPr>
+          <a:lstStyle/>
+          <a:p>
+            <a:r>
+              <a:rPr lang="en-US" sz="4800" cap="none" dirty="0" smtClean="0"/>
+              <a:t>Argus components</a:t>
+            </a:r>
+            <a:endParaRPr lang="en-US" sz="4800" dirty="0"/>
+          </a:p>
+        </p:txBody>
+      </p:sp>
+      <p:sp>
+        <p:nvSpPr>
+          <p:cNvPr id="5" name="Content Placeholder 2"/>
+          <p:cNvSpPr>
+            <a:spLocks noGrp="1"/>
+          </p:cNvSpPr>
+          <p:nvPr>
+            <p:ph sz="quarter" idx="13"/>
+          </p:nvPr>
+        </p:nvSpPr>
+        <p:spPr>
+          <a:xfrm>
+            <a:off x="1543498" y="1547588"/>
+            <a:ext cx="10363826" cy="4559914"/>
+          </a:xfrm>
+        </p:spPr>
+        <p:txBody>
+          <a:bodyPr>
+            <a:noAutofit/>
+          </a:bodyPr>
+          <a:lstStyle/>
+          <a:p>
+            <a:pPr>
+              <a:buFontTx/>
+              <a:buChar char="-"/>
+            </a:pPr>
+            <a:r>
+              <a:rPr lang="en-US" sz="2400" cap="none" dirty="0" smtClean="0"/>
+              <a:t>Scenarios</a:t>
+            </a:r>
+          </a:p>
+          <a:p>
+            <a:pPr>
+              <a:buFontTx/>
+              <a:buChar char="-"/>
+            </a:pPr>
+            <a:r>
+              <a:rPr lang="en-US" sz="2400" cap="none" dirty="0" smtClean="0"/>
+              <a:t>Recipes</a:t>
+            </a:r>
+            <a:endParaRPr lang="en-US" sz="2200" cap="none" dirty="0"/>
+          </a:p>
+          <a:p>
+            <a:pPr>
+              <a:buFontTx/>
+              <a:buChar char="-"/>
+            </a:pPr>
+            <a:r>
+              <a:rPr lang="en-US" sz="2200" cap="none" dirty="0" smtClean="0"/>
+              <a:t>Tests</a:t>
+            </a:r>
+          </a:p>
+          <a:p>
+            <a:pPr>
+              <a:buFontTx/>
+              <a:buChar char="-"/>
+            </a:pPr>
+            <a:r>
+              <a:rPr lang="en-US" sz="2200" cap="none" dirty="0" smtClean="0"/>
+              <a:t>Introspection</a:t>
+            </a:r>
+          </a:p>
+          <a:p>
+            <a:pPr>
+              <a:buFontTx/>
+              <a:buChar char="-"/>
+            </a:pPr>
+            <a:r>
+              <a:rPr lang="en-US" sz="2200" cap="none" dirty="0" smtClean="0"/>
+              <a:t>The Runner</a:t>
+            </a:r>
+          </a:p>
+          <a:p>
+            <a:pPr>
+              <a:buFontTx/>
+              <a:buChar char="-"/>
+            </a:pPr>
+            <a:r>
+              <a:rPr lang="en-US" sz="2200" cap="none" dirty="0" smtClean="0"/>
+              <a:t>Configuration file (actual tests &amp; settings)</a:t>
+            </a:r>
+            <a:endParaRPr lang="en-US" sz="2400" cap="none" dirty="0" smtClean="0"/>
+          </a:p>
+        </p:txBody>
+      </p:sp>
+    </p:spTree>
+    <p:extLst>
+      <p:ext uri="{BB962C8B-B14F-4D97-AF65-F5344CB8AC3E}">
+        <p14:creationId xmlns:p14="http://schemas.microsoft.com/office/powerpoint/2010/main" val="1753884188"/>
+      </p:ext>
+    </p:extLst>
+  </p:cSld>
+  <p:clrMapOvr>
+    <a:masterClrMapping/>
+  </p:clrMapOvr>
+  <p:timing>
+    <p:tnLst>
+      <p:par>
+        <p:cTn id="1" dur="indefinite" restart="never" nodeType="tmRoot"/>
+      </p:par>
+    </p:tnLst>
+  </p:timing>
+</p:sld>
+</file>
+
+<file path=ppt/slides/slide12.xml><?xml version="1.0" encoding="utf-8"?>
+<p:sld xmlns:a="http://schemas.openxmlformats.org/drawingml/2006/main" xmlns:r="http://schemas.openxmlformats.org/officeDocument/2006/relationships" xmlns:p="http://schemas.openxmlformats.org/presentationml/2006/main">
+  <p:cSld>
+    <p:spTree>
+      <p:nvGrpSpPr>
+        <p:cNvPr id="1" name=""/>
+        <p:cNvGrpSpPr/>
+        <p:nvPr/>
+      </p:nvGrpSpPr>
+      <p:grpSpPr>
+        <a:xfrm>
+          <a:off x="0" y="0"/>
+          <a:ext cx="0" cy="0"/>
+          <a:chOff x="0" y="0"/>
+          <a:chExt cx="0" cy="0"/>
+        </a:xfrm>
+      </p:grpSpPr>
+      <p:sp>
+        <p:nvSpPr>
+          <p:cNvPr id="2" name="Title 1"/>
+          <p:cNvSpPr>
+            <a:spLocks noGrp="1"/>
+          </p:cNvSpPr>
+          <p:nvPr>
+            <p:ph type="title"/>
+          </p:nvPr>
+        </p:nvSpPr>
+        <p:spPr>
+          <a:xfrm>
+            <a:off x="965531" y="6047"/>
+            <a:ext cx="10364451" cy="1596177"/>
+          </a:xfrm>
+        </p:spPr>
+        <p:txBody>
+          <a:bodyPr>
+            <a:normAutofit/>
+          </a:bodyPr>
+          <a:lstStyle/>
+          <a:p>
+            <a:r>
+              <a:rPr lang="en-US" sz="4800" cap="none" dirty="0" smtClean="0"/>
+              <a:t>Components’ relationship</a:t>
+            </a:r>
+            <a:endParaRPr lang="en-US" sz="4800" dirty="0"/>
+          </a:p>
+        </p:txBody>
+      </p:sp>
+      <p:sp>
+        <p:nvSpPr>
+          <p:cNvPr id="5" name="Content Placeholder 2"/>
+          <p:cNvSpPr>
+            <a:spLocks noGrp="1"/>
+          </p:cNvSpPr>
+          <p:nvPr>
+            <p:ph sz="quarter" idx="13"/>
+          </p:nvPr>
+        </p:nvSpPr>
+        <p:spPr>
+          <a:xfrm>
+            <a:off x="1543498" y="1547588"/>
+            <a:ext cx="10363826" cy="4559914"/>
+          </a:xfrm>
+        </p:spPr>
+        <p:txBody>
+          <a:bodyPr>
+            <a:noAutofit/>
+          </a:bodyPr>
+          <a:lstStyle/>
+          <a:p>
+            <a:pPr>
+              <a:buFontTx/>
+              <a:buChar char="-"/>
+            </a:pPr>
+            <a:r>
+              <a:rPr lang="en-US" sz="2400" cap="none" dirty="0" smtClean="0"/>
+              <a:t>Scenario defines a “test suite”</a:t>
+            </a:r>
+          </a:p>
+          <a:p>
+            <a:pPr>
+              <a:buFontTx/>
+              <a:buChar char="-"/>
+            </a:pPr>
+            <a:r>
+              <a:rPr lang="en-US" sz="2400" cap="none" dirty="0" smtClean="0"/>
+              <a:t>Recipe configures the scenario</a:t>
+            </a:r>
+          </a:p>
+          <a:p>
+            <a:pPr>
+              <a:buFontTx/>
+              <a:buChar char="-"/>
+            </a:pPr>
+            <a:r>
+              <a:rPr lang="en-US" sz="2400" cap="none" dirty="0" smtClean="0"/>
+              <a:t>Test does the checks</a:t>
+            </a:r>
+          </a:p>
+          <a:p>
+            <a:pPr>
+              <a:buFontTx/>
+              <a:buChar char="-"/>
+            </a:pPr>
+            <a:r>
+              <a:rPr lang="en-US" sz="2400" cap="none" dirty="0" smtClean="0"/>
+              <a:t>Introspection retrieves instance data</a:t>
+            </a:r>
+          </a:p>
+          <a:p>
+            <a:pPr>
+              <a:buFontTx/>
+              <a:buChar char="-"/>
+            </a:pPr>
+            <a:endParaRPr lang="en-US" sz="2400" cap="none" dirty="0" smtClean="0"/>
+          </a:p>
+        </p:txBody>
+      </p:sp>
+    </p:spTree>
+    <p:extLst>
+      <p:ext uri="{BB962C8B-B14F-4D97-AF65-F5344CB8AC3E}">
+        <p14:creationId xmlns:p14="http://schemas.microsoft.com/office/powerpoint/2010/main" val="1206871266"/>
+      </p:ext>
+    </p:extLst>
+  </p:cSld>
+  <p:clrMapOvr>
+    <a:masterClrMapping/>
+  </p:clrMapOvr>
+  <p:timing>
+    <p:tnLst>
+      <p:par>
+        <p:cTn id="1" dur="indefinite" restart="never" nodeType="tmRoot"/>
+      </p:par>
+    </p:tnLst>
+  </p:timing>
+</p:sld>
+</file>
+
+<file path=ppt/slides/slide13.xml><?xml version="1.0" encoding="utf-8"?>
+<p:sld xmlns:a="http://schemas.openxmlformats.org/drawingml/2006/main" xmlns:r="http://schemas.openxmlformats.org/officeDocument/2006/relationships" xmlns:p="http://schemas.openxmlformats.org/presentationml/2006/main">
+  <p:cSld>
+    <p:spTree>
+      <p:nvGrpSpPr>
+        <p:cNvPr id="1" name=""/>
+        <p:cNvGrpSpPr/>
+        <p:nvPr/>
+      </p:nvGrpSpPr>
+      <p:grpSpPr>
+        <a:xfrm>
+          <a:off x="0" y="0"/>
+          <a:ext cx="0" cy="0"/>
+          <a:chOff x="0" y="0"/>
+          <a:chExt cx="0" cy="0"/>
+        </a:xfrm>
+      </p:grpSpPr>
+      <p:sp>
+        <p:nvSpPr>
+          <p:cNvPr id="2" name="Title 1"/>
+          <p:cNvSpPr>
+            <a:spLocks noGrp="1"/>
+          </p:cNvSpPr>
+          <p:nvPr>
+            <p:ph type="title"/>
+          </p:nvPr>
+        </p:nvSpPr>
+        <p:spPr>
+          <a:xfrm>
+            <a:off x="965531" y="6047"/>
+            <a:ext cx="10364451" cy="1596177"/>
+          </a:xfrm>
+        </p:spPr>
+        <p:txBody>
+          <a:bodyPr>
+            <a:normAutofit/>
+          </a:bodyPr>
+          <a:lstStyle/>
+          <a:p>
+            <a:r>
+              <a:rPr lang="en-US" sz="4800" cap="none" dirty="0" smtClean="0"/>
+              <a:t>Argus </a:t>
+            </a:r>
+            <a:r>
+              <a:rPr lang="en-US" sz="4800" cap="none" dirty="0" err="1" smtClean="0"/>
+              <a:t>config</a:t>
+            </a:r>
+            <a:r>
+              <a:rPr lang="en-US" sz="4800" cap="none" dirty="0" smtClean="0"/>
+              <a:t> file</a:t>
+            </a:r>
+            <a:endParaRPr lang="en-US" sz="4800" dirty="0"/>
+          </a:p>
+        </p:txBody>
+      </p:sp>
+      <p:sp>
+        <p:nvSpPr>
+          <p:cNvPr id="5" name="Content Placeholder 2"/>
+          <p:cNvSpPr>
+            <a:spLocks noGrp="1"/>
+          </p:cNvSpPr>
+          <p:nvPr>
+            <p:ph sz="quarter" idx="13"/>
+          </p:nvPr>
+        </p:nvSpPr>
+        <p:spPr>
+          <a:xfrm>
+            <a:off x="1543498" y="1547588"/>
+            <a:ext cx="10363826" cy="4559914"/>
+          </a:xfrm>
+        </p:spPr>
+        <p:txBody>
+          <a:bodyPr>
+            <a:noAutofit/>
+          </a:bodyPr>
+          <a:lstStyle/>
+          <a:p>
+            <a:pPr>
+              <a:buFontTx/>
+              <a:buChar char="-"/>
+            </a:pPr>
+            <a:r>
+              <a:rPr lang="en-US" sz="2400" cap="none" dirty="0" smtClean="0"/>
+              <a:t>Basic settings (</a:t>
+            </a:r>
+            <a:r>
+              <a:rPr lang="en-US" sz="2400" cap="none" dirty="0" err="1" smtClean="0"/>
+              <a:t>argus</a:t>
+            </a:r>
+            <a:r>
+              <a:rPr lang="en-US" sz="2400" cap="none" dirty="0" smtClean="0"/>
+              <a:t>, </a:t>
+            </a:r>
+            <a:r>
+              <a:rPr lang="en-US" sz="2400" cap="none" dirty="0" err="1" smtClean="0"/>
+              <a:t>cloudbase-init</a:t>
+            </a:r>
+            <a:r>
+              <a:rPr lang="en-US" sz="2400" cap="none" dirty="0" smtClean="0"/>
+              <a:t>)</a:t>
+            </a:r>
+          </a:p>
+          <a:p>
+            <a:pPr>
+              <a:buFontTx/>
+              <a:buChar char="-"/>
+            </a:pPr>
+            <a:r>
+              <a:rPr lang="en-US" sz="2400" cap="none" dirty="0" smtClean="0"/>
+              <a:t>Image (credentials, ID, flavor)</a:t>
+            </a:r>
+          </a:p>
+          <a:p>
+            <a:pPr>
+              <a:buFontTx/>
+              <a:buChar char="-"/>
+            </a:pPr>
+            <a:r>
+              <a:rPr lang="en-US" sz="2400" cap="none" dirty="0" smtClean="0"/>
+              <a:t>Base scenario (common defaults)</a:t>
+            </a:r>
+          </a:p>
+          <a:p>
+            <a:pPr>
+              <a:buFontTx/>
+              <a:buChar char="-"/>
+            </a:pPr>
+            <a:r>
+              <a:rPr lang="en-US" sz="2400" cap="none" dirty="0" smtClean="0"/>
+              <a:t>Group inheritance</a:t>
+            </a:r>
+          </a:p>
+          <a:p>
+            <a:pPr>
+              <a:buFontTx/>
+              <a:buChar char="-"/>
+            </a:pPr>
+            <a:endParaRPr lang="en-US" sz="2400" cap="none" dirty="0" smtClean="0"/>
+          </a:p>
+        </p:txBody>
+      </p:sp>
+    </p:spTree>
+    <p:extLst>
+      <p:ext uri="{BB962C8B-B14F-4D97-AF65-F5344CB8AC3E}">
+        <p14:creationId xmlns:p14="http://schemas.microsoft.com/office/powerpoint/2010/main" val="1668824684"/>
+      </p:ext>
+    </p:extLst>
+  </p:cSld>
+  <p:clrMapOvr>
+    <a:masterClrMapping/>
+  </p:clrMapOvr>
+  <p:timing>
+    <p:tnLst>
+      <p:par>
+        <p:cTn id="1" dur="indefinite" restart="never" nodeType="tmRoot"/>
+      </p:par>
+    </p:tnLst>
+  </p:timing>
+</p:sld>
+</file>
+
+<file path=ppt/slides/slide14.xml><?xml version="1.0" encoding="utf-8"?>
+<p:sld xmlns:a="http://schemas.openxmlformats.org/drawingml/2006/main" xmlns:r="http://schemas.openxmlformats.org/officeDocument/2006/relationships" xmlns:p="http://schemas.openxmlformats.org/presentationml/2006/main">
+  <p:cSld>
+    <p:spTree>
+      <p:nvGrpSpPr>
+        <p:cNvPr id="1" name=""/>
+        <p:cNvGrpSpPr/>
+        <p:nvPr/>
+      </p:nvGrpSpPr>
+      <p:grpSpPr>
+        <a:xfrm>
+          <a:off x="0" y="0"/>
+          <a:ext cx="0" cy="0"/>
+          <a:chOff x="0" y="0"/>
+          <a:chExt cx="0" cy="0"/>
+        </a:xfrm>
+      </p:grpSpPr>
+      <p:sp>
+        <p:nvSpPr>
+          <p:cNvPr id="2" name="Title 1"/>
+          <p:cNvSpPr>
+            <a:spLocks noGrp="1"/>
+          </p:cNvSpPr>
+          <p:nvPr>
+            <p:ph type="title"/>
+          </p:nvPr>
+        </p:nvSpPr>
+        <p:spPr>
+          <a:xfrm>
+            <a:off x="965531" y="6047"/>
+            <a:ext cx="10364451" cy="1596177"/>
+          </a:xfrm>
+        </p:spPr>
+        <p:txBody>
+          <a:bodyPr>
+            <a:normAutofit/>
+          </a:bodyPr>
+          <a:lstStyle/>
+          <a:p>
+            <a:r>
+              <a:rPr lang="en-US" sz="4800" cap="none" dirty="0" smtClean="0"/>
+              <a:t>Advanced concepts</a:t>
+            </a:r>
+            <a:endParaRPr lang="en-US" sz="4800" dirty="0"/>
+          </a:p>
+        </p:txBody>
+      </p:sp>
+      <p:sp>
+        <p:nvSpPr>
+          <p:cNvPr id="5" name="Content Placeholder 2"/>
+          <p:cNvSpPr>
+            <a:spLocks noGrp="1"/>
+          </p:cNvSpPr>
+          <p:nvPr>
+            <p:ph sz="quarter" idx="13"/>
+          </p:nvPr>
+        </p:nvSpPr>
+        <p:spPr>
+          <a:xfrm>
+            <a:off x="1543498" y="1547588"/>
+            <a:ext cx="10363826" cy="4559914"/>
+          </a:xfrm>
+        </p:spPr>
+        <p:txBody>
+          <a:bodyPr>
+            <a:noAutofit/>
+          </a:bodyPr>
+          <a:lstStyle/>
+          <a:p>
+            <a:pPr>
+              <a:buFontTx/>
+              <a:buChar char="-"/>
+            </a:pPr>
+            <a:r>
+              <a:rPr lang="en-US" sz="2400" cap="none" dirty="0" smtClean="0"/>
+              <a:t>Environments</a:t>
+            </a:r>
+            <a:r>
+              <a:rPr lang="en-US" sz="2400" cap="none" dirty="0"/>
+              <a:t> </a:t>
+            </a:r>
+            <a:r>
+              <a:rPr lang="en-US" sz="2400" cap="none" dirty="0" smtClean="0"/>
+              <a:t>(start/stop, settings)</a:t>
+            </a:r>
+          </a:p>
+          <a:p>
+            <a:pPr>
+              <a:buFontTx/>
+              <a:buChar char="-"/>
+            </a:pPr>
+            <a:r>
+              <a:rPr lang="en-US" sz="2400" cap="none" dirty="0" smtClean="0"/>
+              <a:t>Preparers</a:t>
+            </a:r>
+          </a:p>
+          <a:p>
+            <a:pPr>
+              <a:buFontTx/>
+              <a:buChar char="-"/>
+            </a:pPr>
+            <a:r>
+              <a:rPr lang="en-US" sz="2400" cap="none" dirty="0" smtClean="0"/>
+              <a:t>Volatile IaaS </a:t>
+            </a:r>
+            <a:r>
+              <a:rPr lang="en-US" sz="2400" cap="none" dirty="0" err="1" smtClean="0"/>
+              <a:t>config</a:t>
+            </a:r>
+            <a:r>
+              <a:rPr lang="en-US" sz="2400" cap="none" dirty="0" smtClean="0"/>
+              <a:t> options</a:t>
+            </a:r>
+          </a:p>
+          <a:p>
+            <a:pPr>
+              <a:buFontTx/>
+              <a:buChar char="-"/>
+            </a:pPr>
+            <a:r>
+              <a:rPr lang="en-US" sz="2400" cap="none" dirty="0" smtClean="0"/>
+              <a:t>Metadata</a:t>
+            </a:r>
+          </a:p>
+          <a:p>
+            <a:pPr>
+              <a:buFontTx/>
+              <a:buChar char="-"/>
+            </a:pPr>
+            <a:r>
+              <a:rPr lang="en-US" sz="2400" cap="none" dirty="0" err="1" smtClean="0"/>
+              <a:t>Userdata</a:t>
+            </a:r>
+            <a:endParaRPr lang="en-US" sz="2400" cap="none" dirty="0" smtClean="0"/>
+          </a:p>
+        </p:txBody>
+      </p:sp>
+    </p:spTree>
+    <p:extLst>
+      <p:ext uri="{BB962C8B-B14F-4D97-AF65-F5344CB8AC3E}">
+        <p14:creationId xmlns:p14="http://schemas.microsoft.com/office/powerpoint/2010/main" val="3336060212"/>
+      </p:ext>
+    </p:extLst>
+  </p:cSld>
+  <p:clrMapOvr>
+    <a:masterClrMapping/>
+  </p:clrMapOvr>
+  <p:timing>
+    <p:tnLst>
+      <p:par>
+        <p:cTn id="1" dur="indefinite" restart="never" nodeType="tmRoot"/>
+      </p:par>
+    </p:tnLst>
+  </p:timing>
+</p:sld>
+</file>
+
+<file path=ppt/slides/slide15.xml><?xml version="1.0" encoding="utf-8"?>
+<p:sld xmlns:a="http://schemas.openxmlformats.org/drawingml/2006/main" xmlns:r="http://schemas.openxmlformats.org/officeDocument/2006/relationships" xmlns:p="http://schemas.openxmlformats.org/presentationml/2006/main">
+  <p:cSld>
+    <p:spTree>
+      <p:nvGrpSpPr>
+        <p:cNvPr id="1" name=""/>
+        <p:cNvGrpSpPr/>
+        <p:nvPr/>
+      </p:nvGrpSpPr>
+      <p:grpSpPr>
+        <a:xfrm>
+          <a:off x="0" y="0"/>
+          <a:ext cx="0" cy="0"/>
+          <a:chOff x="0" y="0"/>
+          <a:chExt cx="0" cy="0"/>
+        </a:xfrm>
+      </p:grpSpPr>
+      <p:sp>
+        <p:nvSpPr>
+          <p:cNvPr id="2" name="Title 1"/>
+          <p:cNvSpPr>
+            <a:spLocks noGrp="1"/>
+          </p:cNvSpPr>
+          <p:nvPr>
+            <p:ph type="title"/>
+          </p:nvPr>
+        </p:nvSpPr>
+        <p:spPr>
+          <a:xfrm>
+            <a:off x="965531" y="6047"/>
+            <a:ext cx="10364451" cy="1596177"/>
+          </a:xfrm>
+        </p:spPr>
+        <p:txBody>
+          <a:bodyPr>
+            <a:normAutofit/>
+          </a:bodyPr>
+          <a:lstStyle/>
+          <a:p>
+            <a:r>
+              <a:rPr lang="en-US" sz="4800" cap="none" dirty="0" smtClean="0"/>
+              <a:t>Mock metadata</a:t>
+            </a:r>
+            <a:endParaRPr lang="en-US" sz="4800" dirty="0"/>
+          </a:p>
+        </p:txBody>
+      </p:sp>
+      <p:sp>
+        <p:nvSpPr>
+          <p:cNvPr id="5" name="Content Placeholder 2"/>
+          <p:cNvSpPr>
+            <a:spLocks noGrp="1"/>
+          </p:cNvSpPr>
+          <p:nvPr>
+            <p:ph sz="quarter" idx="13"/>
+          </p:nvPr>
+        </p:nvSpPr>
+        <p:spPr>
+          <a:xfrm>
+            <a:off x="1543498" y="1547588"/>
+            <a:ext cx="10363826" cy="4559914"/>
+          </a:xfrm>
+        </p:spPr>
+        <p:txBody>
+          <a:bodyPr>
+            <a:noAutofit/>
+          </a:bodyPr>
+          <a:lstStyle/>
+          <a:p>
+            <a:pPr>
+              <a:buFontTx/>
+              <a:buChar char="-"/>
+            </a:pPr>
+            <a:r>
+              <a:rPr lang="en-US" sz="2400" cap="none" dirty="0" smtClean="0"/>
+              <a:t>Web server (custom port)</a:t>
+            </a:r>
+          </a:p>
+          <a:p>
+            <a:pPr>
+              <a:buFontTx/>
+              <a:buChar char="-"/>
+            </a:pPr>
+            <a:r>
+              <a:rPr lang="en-US" sz="2400" cap="none" dirty="0" smtClean="0"/>
+              <a:t>Drive attach</a:t>
+            </a:r>
+          </a:p>
+          <a:p>
+            <a:pPr>
+              <a:buFontTx/>
+              <a:buChar char="-"/>
+            </a:pPr>
+            <a:r>
+              <a:rPr lang="en-US" sz="2400" cap="none" dirty="0" smtClean="0"/>
+              <a:t>Explicit configuration</a:t>
+            </a:r>
+          </a:p>
+          <a:p>
+            <a:pPr>
+              <a:buFontTx/>
+              <a:buChar char="-"/>
+            </a:pPr>
+            <a:r>
+              <a:rPr lang="en-US" sz="2400" cap="none" dirty="0" smtClean="0"/>
+              <a:t>Custom data</a:t>
+            </a:r>
+          </a:p>
+          <a:p>
+            <a:pPr>
+              <a:buFontTx/>
+              <a:buChar char="-"/>
+            </a:pPr>
+            <a:r>
+              <a:rPr lang="en-US" sz="2400" cap="none" dirty="0" smtClean="0"/>
+              <a:t>Result: behave as a different cloud</a:t>
+            </a:r>
+          </a:p>
+        </p:txBody>
+      </p:sp>
+    </p:spTree>
+    <p:extLst>
+      <p:ext uri="{BB962C8B-B14F-4D97-AF65-F5344CB8AC3E}">
+        <p14:creationId xmlns:p14="http://schemas.microsoft.com/office/powerpoint/2010/main" val="697224385"/>
+      </p:ext>
+    </p:extLst>
+  </p:cSld>
+  <p:clrMapOvr>
+    <a:masterClrMapping/>
+  </p:clrMapOvr>
+  <p:timing>
+    <p:tnLst>
+      <p:par>
+        <p:cTn id="1" dur="indefinite" restart="never" nodeType="tmRoot"/>
+      </p:par>
+    </p:tnLst>
+  </p:timing>
+</p:sld>
+</file>
+
+<file path=ppt/slides/slide16.xml><?xml version="1.0" encoding="utf-8"?>
+<p:sld xmlns:a="http://schemas.openxmlformats.org/drawingml/2006/main" xmlns:r="http://schemas.openxmlformats.org/officeDocument/2006/relationships" xmlns:p="http://schemas.openxmlformats.org/presentationml/2006/main">
+  <p:cSld>
+    <p:spTree>
+      <p:nvGrpSpPr>
+        <p:cNvPr id="1" name=""/>
+        <p:cNvGrpSpPr/>
+        <p:nvPr/>
+      </p:nvGrpSpPr>
+      <p:grpSpPr>
+        <a:xfrm>
+          <a:off x="0" y="0"/>
+          <a:ext cx="0" cy="0"/>
+          <a:chOff x="0" y="0"/>
+          <a:chExt cx="0" cy="0"/>
+        </a:xfrm>
+      </p:grpSpPr>
+      <p:sp>
+        <p:nvSpPr>
+          <p:cNvPr id="2" name="Title 1"/>
+          <p:cNvSpPr>
+            <a:spLocks noGrp="1"/>
+          </p:cNvSpPr>
+          <p:nvPr>
+            <p:ph type="title"/>
+          </p:nvPr>
+        </p:nvSpPr>
+        <p:spPr>
+          <a:xfrm>
+            <a:off x="965531" y="6047"/>
+            <a:ext cx="10364451" cy="1596177"/>
+          </a:xfrm>
+        </p:spPr>
+        <p:txBody>
+          <a:bodyPr>
+            <a:normAutofit/>
+          </a:bodyPr>
+          <a:lstStyle/>
+          <a:p>
+            <a:r>
+              <a:rPr lang="en-US" sz="4800" cap="none" dirty="0" smtClean="0"/>
+              <a:t>Using Argus</a:t>
+            </a:r>
+            <a:endParaRPr lang="en-US" sz="4800" dirty="0"/>
+          </a:p>
+        </p:txBody>
+      </p:sp>
+      <p:sp>
+        <p:nvSpPr>
+          <p:cNvPr id="5" name="Content Placeholder 2"/>
+          <p:cNvSpPr>
+            <a:spLocks noGrp="1"/>
+          </p:cNvSpPr>
+          <p:nvPr>
+            <p:ph sz="quarter" idx="13"/>
+          </p:nvPr>
+        </p:nvSpPr>
+        <p:spPr>
+          <a:xfrm>
+            <a:off x="1543498" y="1547588"/>
+            <a:ext cx="10363826" cy="4559914"/>
+          </a:xfrm>
+        </p:spPr>
+        <p:txBody>
+          <a:bodyPr>
+            <a:noAutofit/>
+          </a:bodyPr>
+          <a:lstStyle/>
+          <a:p>
+            <a:pPr marL="0" indent="0">
+              <a:buNone/>
+            </a:pPr>
+            <a:r>
+              <a:rPr lang="en-US" sz="2400" cap="none" dirty="0" err="1"/>
+              <a:t>devstack@devstack</a:t>
+            </a:r>
+            <a:r>
+              <a:rPr lang="en-US" sz="2400" cap="none" dirty="0"/>
+              <a:t>:~/</a:t>
+            </a:r>
+            <a:r>
+              <a:rPr lang="en-US" sz="2400" cap="none" dirty="0" err="1"/>
+              <a:t>argus</a:t>
+            </a:r>
+            <a:r>
+              <a:rPr lang="en-US" sz="2400" cap="none" dirty="0"/>
+              <a:t>-ci$ </a:t>
+            </a:r>
+            <a:r>
+              <a:rPr lang="en-US" sz="2400" cap="none" dirty="0" err="1"/>
+              <a:t>argus</a:t>
+            </a:r>
+            <a:r>
+              <a:rPr lang="en-US" sz="2400" cap="none" dirty="0"/>
+              <a:t> cloud --help</a:t>
+            </a:r>
+          </a:p>
+          <a:p>
+            <a:pPr marL="0" indent="0">
+              <a:buNone/>
+            </a:pPr>
+            <a:r>
+              <a:rPr lang="en-US" sz="2400" cap="none" dirty="0"/>
+              <a:t>usage: </a:t>
+            </a:r>
+            <a:r>
+              <a:rPr lang="en-US" sz="2400" cap="none" dirty="0" err="1"/>
+              <a:t>argus</a:t>
+            </a:r>
+            <a:r>
+              <a:rPr lang="en-US" sz="2400" cap="none" dirty="0"/>
+              <a:t> cloud [-h] [--</a:t>
+            </a:r>
+            <a:r>
+              <a:rPr lang="en-US" sz="2400" cap="none" dirty="0" err="1"/>
+              <a:t>failfast</a:t>
+            </a:r>
+            <a:r>
+              <a:rPr lang="en-US" sz="2400" cap="none" dirty="0"/>
+              <a:t>] --</a:t>
+            </a:r>
+            <a:r>
+              <a:rPr lang="en-US" sz="2400" cap="none" dirty="0" err="1"/>
+              <a:t>conf</a:t>
+            </a:r>
+            <a:r>
+              <a:rPr lang="en-US" sz="2400" cap="none" dirty="0"/>
+              <a:t> CONF [-p]</a:t>
+            </a:r>
+          </a:p>
+          <a:p>
+            <a:pPr marL="0" indent="0">
+              <a:buNone/>
+            </a:pPr>
+            <a:r>
+              <a:rPr lang="en-US" sz="2400" cap="none" dirty="0"/>
+              <a:t>                   [--test-</a:t>
+            </a:r>
+            <a:r>
+              <a:rPr lang="en-US" sz="2400" cap="none" dirty="0" err="1"/>
+              <a:t>os</a:t>
+            </a:r>
+            <a:r>
+              <a:rPr lang="en-US" sz="2400" cap="none" dirty="0"/>
+              <a:t>-types [TEST_OS_TYPES [TEST_OS_TYPES ...]]]</a:t>
+            </a:r>
+          </a:p>
+          <a:p>
+            <a:pPr marL="0" indent="0">
+              <a:buNone/>
+            </a:pPr>
+            <a:r>
+              <a:rPr lang="en-US" sz="2400" cap="none" dirty="0"/>
+              <a:t>                   [--test-scenario-type TEST_SCENARIO_TYPE] [-o DIRECTORY]</a:t>
+            </a:r>
+          </a:p>
+          <a:p>
+            <a:pPr marL="0" indent="0">
+              <a:buNone/>
+            </a:pPr>
+            <a:r>
+              <a:rPr lang="en-US" sz="2400" cap="none" dirty="0"/>
+              <a:t>                   [-b {</a:t>
+            </a:r>
+            <a:r>
+              <a:rPr lang="en-US" sz="2400" cap="none" dirty="0" err="1"/>
+              <a:t>beta,stable</a:t>
+            </a:r>
+            <a:r>
+              <a:rPr lang="en-US" sz="2400" cap="none" dirty="0"/>
+              <a:t>}] [-a {x64,x86}] [--patch-install URL]</a:t>
+            </a:r>
+          </a:p>
+          <a:p>
+            <a:pPr marL="0" indent="0">
+              <a:buNone/>
+            </a:pPr>
+            <a:r>
+              <a:rPr lang="en-US" sz="2400" cap="none" dirty="0"/>
+              <a:t>                   [--</a:t>
+            </a:r>
+            <a:r>
+              <a:rPr lang="en-US" sz="2400" cap="none" dirty="0" err="1"/>
+              <a:t>git</a:t>
+            </a:r>
+            <a:r>
+              <a:rPr lang="en-US" sz="2400" cap="none" dirty="0"/>
+              <a:t>-command GIT_COMMAND</a:t>
+            </a:r>
+            <a:r>
+              <a:rPr lang="en-US" sz="2400" cap="none" dirty="0" smtClean="0"/>
+              <a:t>]</a:t>
+            </a:r>
+          </a:p>
+        </p:txBody>
+      </p:sp>
+    </p:spTree>
+    <p:extLst>
+      <p:ext uri="{BB962C8B-B14F-4D97-AF65-F5344CB8AC3E}">
+        <p14:creationId xmlns:p14="http://schemas.microsoft.com/office/powerpoint/2010/main" val="2708421160"/>
+      </p:ext>
+    </p:extLst>
+  </p:cSld>
+  <p:clrMapOvr>
+    <a:masterClrMapping/>
+  </p:clrMapOvr>
+  <p:timing>
+    <p:tnLst>
+      <p:par>
+        <p:cTn id="1" dur="indefinite" restart="never" nodeType="tmRoot"/>
+      </p:par>
+    </p:tnLst>
+  </p:timing>
+</p:sld>
+</file>
+
+<file path=ppt/slides/slide17.xml><?xml version="1.0" encoding="utf-8"?>
+<p:sld xmlns:a="http://schemas.openxmlformats.org/drawingml/2006/main" xmlns:r="http://schemas.openxmlformats.org/officeDocument/2006/relationships" xmlns:p="http://schemas.openxmlformats.org/presentationml/2006/main">
+  <p:cSld>
+    <p:spTree>
+      <p:nvGrpSpPr>
+        <p:cNvPr id="1" name=""/>
+        <p:cNvGrpSpPr/>
+        <p:nvPr/>
+      </p:nvGrpSpPr>
+      <p:grpSpPr>
+        <a:xfrm>
+          <a:off x="0" y="0"/>
+          <a:ext cx="0" cy="0"/>
+          <a:chOff x="0" y="0"/>
+          <a:chExt cx="0" cy="0"/>
+        </a:xfrm>
+      </p:grpSpPr>
+      <p:sp>
+        <p:nvSpPr>
+          <p:cNvPr id="2" name="Title 1"/>
+          <p:cNvSpPr>
+            <a:spLocks noGrp="1"/>
+          </p:cNvSpPr>
+          <p:nvPr>
+            <p:ph type="title"/>
+          </p:nvPr>
+        </p:nvSpPr>
+        <p:spPr>
+          <a:xfrm>
+            <a:off x="965531" y="6047"/>
+            <a:ext cx="10364451" cy="1596177"/>
+          </a:xfrm>
+        </p:spPr>
+        <p:txBody>
+          <a:bodyPr>
+            <a:normAutofit/>
+          </a:bodyPr>
+          <a:lstStyle/>
+          <a:p>
+            <a:r>
+              <a:rPr lang="en-US" sz="4800" cap="none" dirty="0" smtClean="0"/>
+              <a:t>Using Argus</a:t>
+            </a:r>
+            <a:endParaRPr lang="en-US" sz="4800" dirty="0"/>
+          </a:p>
+        </p:txBody>
+      </p:sp>
+      <p:sp>
+        <p:nvSpPr>
+          <p:cNvPr id="5" name="Content Placeholder 2"/>
+          <p:cNvSpPr>
+            <a:spLocks noGrp="1"/>
+          </p:cNvSpPr>
+          <p:nvPr>
+            <p:ph sz="quarter" idx="13"/>
+          </p:nvPr>
+        </p:nvSpPr>
+        <p:spPr>
+          <a:xfrm>
+            <a:off x="1543498" y="1547588"/>
+            <a:ext cx="10363826" cy="4559914"/>
+          </a:xfrm>
+        </p:spPr>
+        <p:txBody>
+          <a:bodyPr>
+            <a:noAutofit/>
+          </a:bodyPr>
+          <a:lstStyle/>
+          <a:p>
+            <a:pPr marL="0" indent="0">
+              <a:buNone/>
+            </a:pPr>
+            <a:r>
+              <a:rPr lang="en-US" sz="1800" cap="none" dirty="0" err="1"/>
+              <a:t>devstack@devstack</a:t>
+            </a:r>
+            <a:r>
+              <a:rPr lang="en-US" sz="1800" cap="none" dirty="0"/>
+              <a:t>:~/</a:t>
+            </a:r>
+            <a:r>
+              <a:rPr lang="en-US" sz="1800" cap="none" dirty="0" err="1"/>
+              <a:t>argus</a:t>
+            </a:r>
+            <a:r>
+              <a:rPr lang="en-US" sz="1800" cap="none" dirty="0"/>
+              <a:t>-ci$ </a:t>
+            </a:r>
+            <a:r>
+              <a:rPr lang="en-US" sz="1800" cap="none" dirty="0" err="1"/>
+              <a:t>argus</a:t>
+            </a:r>
+            <a:r>
+              <a:rPr lang="en-US" sz="1800" cap="none" dirty="0"/>
+              <a:t> cloud </a:t>
+            </a:r>
+            <a:r>
+              <a:rPr lang="en-US" sz="1800" cap="none" dirty="0" smtClean="0"/>
+              <a:t>--help</a:t>
+            </a:r>
+          </a:p>
+          <a:p>
+            <a:pPr marL="0" indent="0">
+              <a:buNone/>
+            </a:pPr>
+            <a:r>
+              <a:rPr lang="en-US" sz="1800" cap="none" dirty="0" smtClean="0"/>
+              <a:t>…</a:t>
+            </a:r>
+            <a:endParaRPr lang="en-US" sz="1800" cap="none" dirty="0"/>
+          </a:p>
+          <a:p>
+            <a:pPr marL="0" indent="0">
+              <a:buNone/>
+            </a:pPr>
+            <a:r>
+              <a:rPr lang="en-US" sz="1800" cap="none" dirty="0"/>
+              <a:t>optional arguments:</a:t>
+            </a:r>
+          </a:p>
+          <a:p>
+            <a:pPr marL="0" indent="0">
+              <a:buNone/>
+            </a:pPr>
+            <a:r>
+              <a:rPr lang="en-US" sz="1800" cap="none" dirty="0"/>
+              <a:t>  -h, --help            show this help message and exit</a:t>
+            </a:r>
+          </a:p>
+          <a:p>
+            <a:pPr marL="0" indent="0">
+              <a:buNone/>
+            </a:pPr>
+            <a:r>
+              <a:rPr lang="en-US" sz="1800" cap="none" dirty="0"/>
+              <a:t>  --</a:t>
+            </a:r>
+            <a:r>
+              <a:rPr lang="en-US" sz="1800" cap="none" dirty="0" err="1"/>
+              <a:t>failfast</a:t>
+            </a:r>
+            <a:r>
+              <a:rPr lang="en-US" sz="1800" cap="none" dirty="0"/>
+              <a:t>            Fail the tests on the first failure.</a:t>
+            </a:r>
+          </a:p>
+          <a:p>
+            <a:pPr marL="0" indent="0">
+              <a:buNone/>
+            </a:pPr>
+            <a:r>
+              <a:rPr lang="en-US" sz="1800" cap="none" dirty="0"/>
+              <a:t>  --</a:t>
+            </a:r>
+            <a:r>
+              <a:rPr lang="en-US" sz="1800" cap="none" dirty="0" err="1"/>
+              <a:t>conf</a:t>
+            </a:r>
+            <a:r>
+              <a:rPr lang="en-US" sz="1800" cap="none" dirty="0"/>
+              <a:t> CONF           Give a path to the </a:t>
+            </a:r>
+            <a:r>
+              <a:rPr lang="en-US" sz="1800" cap="none" dirty="0" err="1"/>
+              <a:t>argus</a:t>
+            </a:r>
+            <a:r>
+              <a:rPr lang="en-US" sz="1800" cap="none" dirty="0"/>
+              <a:t> conf. It should be an .</a:t>
+            </a:r>
+            <a:r>
+              <a:rPr lang="en-US" sz="1800" cap="none" dirty="0" err="1"/>
+              <a:t>ini</a:t>
+            </a:r>
+            <a:endParaRPr lang="en-US" sz="1800" cap="none" dirty="0"/>
+          </a:p>
+          <a:p>
+            <a:pPr marL="0" indent="0">
+              <a:buNone/>
+            </a:pPr>
+            <a:r>
+              <a:rPr lang="en-US" sz="1800" cap="none" dirty="0"/>
+              <a:t>                        file format with a section called [</a:t>
+            </a:r>
+            <a:r>
+              <a:rPr lang="en-US" sz="1800" cap="none" dirty="0" err="1"/>
+              <a:t>argus</a:t>
+            </a:r>
+            <a:r>
+              <a:rPr lang="en-US" sz="1800" cap="none" dirty="0"/>
+              <a:t>].</a:t>
+            </a:r>
+          </a:p>
+          <a:p>
+            <a:pPr marL="0" indent="0">
+              <a:buNone/>
+            </a:pPr>
+            <a:r>
+              <a:rPr lang="en-US" sz="1800" cap="none" dirty="0"/>
+              <a:t>  -p, --pause           </a:t>
+            </a:r>
+            <a:r>
+              <a:rPr lang="en-US" sz="1800" cap="none" dirty="0" err="1"/>
+              <a:t>Pause</a:t>
+            </a:r>
+            <a:r>
+              <a:rPr lang="en-US" sz="1800" cap="none" dirty="0"/>
+              <a:t> </a:t>
+            </a:r>
+            <a:r>
+              <a:rPr lang="en-US" sz="1800" cap="none" dirty="0" err="1"/>
+              <a:t>argus</a:t>
+            </a:r>
+            <a:r>
+              <a:rPr lang="en-US" sz="1800" cap="none" dirty="0"/>
+              <a:t> before doing any test</a:t>
+            </a:r>
+            <a:r>
+              <a:rPr lang="en-US" sz="1800" cap="none" dirty="0" smtClean="0"/>
+              <a:t>.</a:t>
+            </a:r>
+            <a:endParaRPr lang="en-US" sz="1800" cap="none" dirty="0"/>
+          </a:p>
+        </p:txBody>
+      </p:sp>
+    </p:spTree>
+    <p:extLst>
+      <p:ext uri="{BB962C8B-B14F-4D97-AF65-F5344CB8AC3E}">
+        <p14:creationId xmlns:p14="http://schemas.microsoft.com/office/powerpoint/2010/main" val="1437382046"/>
+      </p:ext>
+    </p:extLst>
+  </p:cSld>
+  <p:clrMapOvr>
+    <a:masterClrMapping/>
+  </p:clrMapOvr>
+  <p:timing>
+    <p:tnLst>
+      <p:par>
+        <p:cTn id="1" dur="indefinite" restart="never" nodeType="tmRoot"/>
+      </p:par>
+    </p:tnLst>
+  </p:timing>
+</p:sld>
+</file>
+
+<file path=ppt/slides/slide18.xml><?xml version="1.0" encoding="utf-8"?>
+<p:sld xmlns:a="http://schemas.openxmlformats.org/drawingml/2006/main" xmlns:r="http://schemas.openxmlformats.org/officeDocument/2006/relationships" xmlns:p="http://schemas.openxmlformats.org/presentationml/2006/main">
+  <p:cSld>
+    <p:spTree>
+      <p:nvGrpSpPr>
+        <p:cNvPr id="1" name=""/>
+        <p:cNvGrpSpPr/>
+        <p:nvPr/>
+      </p:nvGrpSpPr>
+      <p:grpSpPr>
+        <a:xfrm>
+          <a:off x="0" y="0"/>
+          <a:ext cx="0" cy="0"/>
+          <a:chOff x="0" y="0"/>
+          <a:chExt cx="0" cy="0"/>
+        </a:xfrm>
+      </p:grpSpPr>
+      <p:sp>
+        <p:nvSpPr>
+          <p:cNvPr id="2" name="Title 1"/>
+          <p:cNvSpPr>
+            <a:spLocks noGrp="1"/>
+          </p:cNvSpPr>
+          <p:nvPr>
+            <p:ph type="title"/>
+          </p:nvPr>
+        </p:nvSpPr>
+        <p:spPr>
+          <a:xfrm>
+            <a:off x="965531" y="6047"/>
+            <a:ext cx="10364451" cy="1596177"/>
+          </a:xfrm>
+        </p:spPr>
+        <p:txBody>
+          <a:bodyPr>
+            <a:normAutofit/>
+          </a:bodyPr>
+          <a:lstStyle/>
+          <a:p>
+            <a:r>
+              <a:rPr lang="en-US" sz="4800" cap="none" dirty="0" smtClean="0"/>
+              <a:t>Using Argus</a:t>
+            </a:r>
+            <a:endParaRPr lang="en-US" sz="4800" dirty="0"/>
+          </a:p>
+        </p:txBody>
+      </p:sp>
+      <p:sp>
+        <p:nvSpPr>
+          <p:cNvPr id="5" name="Content Placeholder 2"/>
+          <p:cNvSpPr>
+            <a:spLocks noGrp="1"/>
+          </p:cNvSpPr>
+          <p:nvPr>
+            <p:ph sz="quarter" idx="13"/>
+          </p:nvPr>
+        </p:nvSpPr>
+        <p:spPr>
+          <a:xfrm>
+            <a:off x="1543498" y="1547588"/>
+            <a:ext cx="10363826" cy="4559914"/>
+          </a:xfrm>
+        </p:spPr>
+        <p:txBody>
+          <a:bodyPr>
+            <a:noAutofit/>
+          </a:bodyPr>
+          <a:lstStyle/>
+          <a:p>
+            <a:pPr marL="0" indent="0">
+              <a:buNone/>
+            </a:pPr>
+            <a:r>
+              <a:rPr lang="en-US" sz="1800" cap="none" dirty="0" err="1"/>
+              <a:t>devstack@devstack</a:t>
+            </a:r>
+            <a:r>
+              <a:rPr lang="en-US" sz="1800" cap="none" dirty="0"/>
+              <a:t>:~/</a:t>
+            </a:r>
+            <a:r>
+              <a:rPr lang="en-US" sz="1800" cap="none" dirty="0" err="1"/>
+              <a:t>argus</a:t>
+            </a:r>
+            <a:r>
+              <a:rPr lang="en-US" sz="1800" cap="none" dirty="0"/>
+              <a:t>-ci$ </a:t>
+            </a:r>
+            <a:r>
+              <a:rPr lang="en-US" sz="1800" cap="none" dirty="0" err="1"/>
+              <a:t>argus</a:t>
+            </a:r>
+            <a:r>
+              <a:rPr lang="en-US" sz="1800" cap="none" dirty="0"/>
+              <a:t> cloud </a:t>
+            </a:r>
+            <a:r>
+              <a:rPr lang="en-US" sz="1800" cap="none" dirty="0" smtClean="0"/>
+              <a:t>--help</a:t>
+            </a:r>
+          </a:p>
+          <a:p>
+            <a:pPr marL="0" indent="0">
+              <a:buNone/>
+            </a:pPr>
+            <a:r>
+              <a:rPr lang="en-US" sz="1800" cap="none" dirty="0" smtClean="0"/>
+              <a:t>…</a:t>
+            </a:r>
+            <a:endParaRPr lang="en-US" sz="1800" cap="none" dirty="0"/>
+          </a:p>
+          <a:p>
+            <a:pPr marL="0" indent="0">
+              <a:buNone/>
+            </a:pPr>
+            <a:r>
+              <a:rPr lang="en-US" sz="1800" cap="none" dirty="0" smtClean="0"/>
+              <a:t>  --</a:t>
+            </a:r>
+            <a:r>
+              <a:rPr lang="en-US" sz="1800" cap="none" dirty="0"/>
+              <a:t>test-</a:t>
+            </a:r>
+            <a:r>
+              <a:rPr lang="en-US" sz="1800" cap="none" dirty="0" err="1"/>
+              <a:t>os</a:t>
+            </a:r>
+            <a:r>
+              <a:rPr lang="en-US" sz="1800" cap="none" dirty="0"/>
+              <a:t>-types [TEST_OS_TYPES [TEST_OS_TYPES ...]]</a:t>
+            </a:r>
+          </a:p>
+          <a:p>
+            <a:pPr marL="0" indent="0">
+              <a:buNone/>
+            </a:pPr>
+            <a:r>
+              <a:rPr lang="en-US" sz="1800" cap="none" dirty="0"/>
+              <a:t>                        Test only those scenarios with these OS types. By</a:t>
+            </a:r>
+          </a:p>
+          <a:p>
+            <a:pPr marL="0" indent="0">
+              <a:buNone/>
+            </a:pPr>
+            <a:r>
+              <a:rPr lang="en-US" sz="1800" cap="none" dirty="0"/>
+              <a:t>                        default, all scenarios are executed. For instance, to</a:t>
+            </a:r>
+          </a:p>
+          <a:p>
+            <a:pPr marL="0" indent="0">
+              <a:buNone/>
+            </a:pPr>
+            <a:r>
+              <a:rPr lang="en-US" sz="1800" cap="none" dirty="0"/>
+              <a:t>                        run only the Windows and FreeBSD scenarios, use</a:t>
+            </a:r>
+          </a:p>
+          <a:p>
+            <a:pPr marL="0" indent="0">
+              <a:buNone/>
+            </a:pPr>
+            <a:r>
+              <a:rPr lang="en-US" sz="1800" cap="none" dirty="0"/>
+              <a:t>                        `--test-</a:t>
+            </a:r>
+            <a:r>
+              <a:rPr lang="en-US" sz="1800" cap="none" dirty="0" err="1"/>
+              <a:t>os</a:t>
+            </a:r>
+            <a:r>
+              <a:rPr lang="en-US" sz="1800" cap="none" dirty="0"/>
+              <a:t>-types </a:t>
+            </a:r>
+            <a:r>
+              <a:rPr lang="en-US" sz="1800" cap="none" dirty="0" err="1"/>
+              <a:t>Windows,FreeBSD</a:t>
+            </a:r>
+            <a:r>
+              <a:rPr lang="en-US" sz="1800" cap="none" dirty="0"/>
+              <a:t>`</a:t>
+            </a:r>
+          </a:p>
+          <a:p>
+            <a:pPr marL="0" indent="0">
+              <a:buNone/>
+            </a:pPr>
+            <a:r>
+              <a:rPr lang="en-US" sz="1800" cap="none" dirty="0" smtClean="0"/>
+              <a:t>  --</a:t>
+            </a:r>
+            <a:r>
+              <a:rPr lang="en-US" sz="1800" cap="none" dirty="0"/>
+              <a:t>test-scenario-type TEST_SCENARIO_TYPE</a:t>
+            </a:r>
+          </a:p>
+          <a:p>
+            <a:pPr marL="0" indent="0">
+              <a:buNone/>
+            </a:pPr>
+            <a:r>
+              <a:rPr lang="en-US" sz="1800" cap="none" dirty="0"/>
+              <a:t>                        Test only the scenarios with this type. The type can</a:t>
+            </a:r>
+          </a:p>
+          <a:p>
+            <a:pPr marL="0" indent="0">
+              <a:buNone/>
+            </a:pPr>
+            <a:r>
+              <a:rPr lang="en-US" sz="1800" cap="none" dirty="0"/>
+              <a:t>                        be `smoke` or `deep`. By default, all scenarios types</a:t>
+            </a:r>
+          </a:p>
+          <a:p>
+            <a:pPr marL="0" indent="0">
+              <a:buNone/>
+            </a:pPr>
+            <a:r>
+              <a:rPr lang="en-US" sz="1800" cap="none" dirty="0"/>
+              <a:t>                        are executed</a:t>
+            </a:r>
+            <a:r>
+              <a:rPr lang="en-US" sz="1800" cap="none" dirty="0" smtClean="0"/>
+              <a:t>.</a:t>
+            </a:r>
+            <a:endParaRPr lang="en-US" sz="1800" cap="none" dirty="0"/>
+          </a:p>
+        </p:txBody>
+      </p:sp>
+    </p:spTree>
+    <p:extLst>
+      <p:ext uri="{BB962C8B-B14F-4D97-AF65-F5344CB8AC3E}">
+        <p14:creationId xmlns:p14="http://schemas.microsoft.com/office/powerpoint/2010/main" val="198795223"/>
+      </p:ext>
+    </p:extLst>
+  </p:cSld>
+  <p:clrMapOvr>
+    <a:masterClrMapping/>
+  </p:clrMapOvr>
+  <p:timing>
+    <p:tnLst>
+      <p:par>
+        <p:cTn id="1" dur="indefinite" restart="never" nodeType="tmRoot"/>
+      </p:par>
+    </p:tnLst>
+  </p:timing>
+</p:sld>
+</file>
+
+<file path=ppt/slides/slide19.xml><?xml version="1.0" encoding="utf-8"?>
+<p:sld xmlns:a="http://schemas.openxmlformats.org/drawingml/2006/main" xmlns:r="http://schemas.openxmlformats.org/officeDocument/2006/relationships" xmlns:p="http://schemas.openxmlformats.org/presentationml/2006/main">
+  <p:cSld>
+    <p:spTree>
+      <p:nvGrpSpPr>
+        <p:cNvPr id="1" name=""/>
+        <p:cNvGrpSpPr/>
+        <p:nvPr/>
+      </p:nvGrpSpPr>
+      <p:grpSpPr>
+        <a:xfrm>
+          <a:off x="0" y="0"/>
+          <a:ext cx="0" cy="0"/>
+          <a:chOff x="0" y="0"/>
+          <a:chExt cx="0" cy="0"/>
+        </a:xfrm>
+      </p:grpSpPr>
+      <p:sp>
+        <p:nvSpPr>
+          <p:cNvPr id="2" name="Title 1"/>
+          <p:cNvSpPr>
+            <a:spLocks noGrp="1"/>
+          </p:cNvSpPr>
+          <p:nvPr>
+            <p:ph type="title"/>
+          </p:nvPr>
+        </p:nvSpPr>
+        <p:spPr>
+          <a:xfrm>
+            <a:off x="965531" y="6047"/>
+            <a:ext cx="10364451" cy="1596177"/>
+          </a:xfrm>
+        </p:spPr>
+        <p:txBody>
+          <a:bodyPr>
+            <a:normAutofit/>
+          </a:bodyPr>
+          <a:lstStyle/>
+          <a:p>
+            <a:r>
+              <a:rPr lang="en-US" sz="4800" cap="none" dirty="0" smtClean="0"/>
+              <a:t>Using Argus</a:t>
+            </a:r>
+            <a:endParaRPr lang="en-US" sz="4800" dirty="0"/>
+          </a:p>
+        </p:txBody>
+      </p:sp>
+      <p:sp>
+        <p:nvSpPr>
+          <p:cNvPr id="5" name="Content Placeholder 2"/>
+          <p:cNvSpPr>
+            <a:spLocks noGrp="1"/>
+          </p:cNvSpPr>
+          <p:nvPr>
+            <p:ph sz="quarter" idx="13"/>
+          </p:nvPr>
+        </p:nvSpPr>
+        <p:spPr>
+          <a:xfrm>
+            <a:off x="1543498" y="1547588"/>
+            <a:ext cx="10363826" cy="4559914"/>
+          </a:xfrm>
+        </p:spPr>
+        <p:txBody>
+          <a:bodyPr>
+            <a:noAutofit/>
+          </a:bodyPr>
+          <a:lstStyle/>
+          <a:p>
+            <a:pPr marL="0" indent="0">
+              <a:buNone/>
+            </a:pPr>
+            <a:r>
+              <a:rPr lang="en-US" sz="1800" cap="none" dirty="0" err="1"/>
+              <a:t>devstack@devstack</a:t>
+            </a:r>
+            <a:r>
+              <a:rPr lang="en-US" sz="1800" cap="none" dirty="0"/>
+              <a:t>:~/</a:t>
+            </a:r>
+            <a:r>
+              <a:rPr lang="en-US" sz="1800" cap="none" dirty="0" err="1"/>
+              <a:t>argus</a:t>
+            </a:r>
+            <a:r>
+              <a:rPr lang="en-US" sz="1800" cap="none" dirty="0"/>
+              <a:t>-ci$ </a:t>
+            </a:r>
+            <a:r>
+              <a:rPr lang="en-US" sz="1800" cap="none" dirty="0" err="1"/>
+              <a:t>argus</a:t>
+            </a:r>
+            <a:r>
+              <a:rPr lang="en-US" sz="1800" cap="none" dirty="0"/>
+              <a:t> cloud </a:t>
+            </a:r>
+            <a:r>
+              <a:rPr lang="en-US" sz="1800" cap="none" dirty="0" smtClean="0"/>
+              <a:t>--help</a:t>
+            </a:r>
+          </a:p>
+          <a:p>
+            <a:pPr marL="0" indent="0">
+              <a:buNone/>
+            </a:pPr>
+            <a:r>
+              <a:rPr lang="en-US" sz="1800" cap="none" dirty="0" smtClean="0"/>
+              <a:t>…</a:t>
+            </a:r>
+            <a:endParaRPr lang="en-US" sz="1800" cap="none" dirty="0"/>
+          </a:p>
+          <a:p>
+            <a:pPr marL="0" indent="0">
+              <a:buNone/>
+            </a:pPr>
+            <a:r>
+              <a:rPr lang="en-US" sz="1800" cap="none" dirty="0" smtClean="0"/>
+              <a:t>  -</a:t>
+            </a:r>
+            <a:r>
+              <a:rPr lang="en-US" sz="1800" cap="none" dirty="0"/>
+              <a:t>o DIRECTORY, --instance-output DIRECTORY</a:t>
+            </a:r>
+          </a:p>
+          <a:p>
+            <a:pPr marL="0" indent="0">
+              <a:buNone/>
+            </a:pPr>
+            <a:r>
+              <a:rPr lang="en-US" sz="1800" cap="none" dirty="0"/>
+              <a:t>                        Save the instance console output content in this path.</a:t>
+            </a:r>
+          </a:p>
+          <a:p>
+            <a:pPr marL="0" indent="0">
+              <a:buNone/>
+            </a:pPr>
+            <a:r>
+              <a:rPr lang="en-US" sz="1800" cap="none" dirty="0"/>
+              <a:t>                        If this is given, it can be reused for other files as</a:t>
+            </a:r>
+          </a:p>
+          <a:p>
+            <a:pPr marL="0" indent="0">
+              <a:buNone/>
+            </a:pPr>
+            <a:r>
+              <a:rPr lang="en-US" sz="1800" cap="none" dirty="0"/>
+              <a:t>                        well.</a:t>
+            </a:r>
+          </a:p>
+          <a:p>
+            <a:pPr marL="0" indent="0">
+              <a:buNone/>
+            </a:pPr>
+            <a:r>
+              <a:rPr lang="en-US" sz="1800" cap="none" dirty="0"/>
+              <a:t>  -b {</a:t>
+            </a:r>
+            <a:r>
+              <a:rPr lang="en-US" sz="1800" cap="none" dirty="0" err="1"/>
+              <a:t>beta,stable</a:t>
+            </a:r>
+            <a:r>
+              <a:rPr lang="en-US" sz="1800" cap="none" dirty="0"/>
+              <a:t>}, --builds {</a:t>
+            </a:r>
+            <a:r>
+              <a:rPr lang="en-US" sz="1800" cap="none" dirty="0" err="1"/>
+              <a:t>beta,stable</a:t>
+            </a:r>
+            <a:r>
+              <a:rPr lang="en-US" sz="1800" cap="none" dirty="0"/>
+              <a:t>}</a:t>
+            </a:r>
+          </a:p>
+          <a:p>
+            <a:pPr marL="0" indent="0">
+              <a:buNone/>
+            </a:pPr>
+            <a:r>
+              <a:rPr lang="en-US" sz="1800" cap="none" dirty="0"/>
+              <a:t>                        Choose what installer builds to test.</a:t>
+            </a:r>
+          </a:p>
+          <a:p>
+            <a:pPr marL="0" indent="0">
+              <a:buNone/>
+            </a:pPr>
+            <a:r>
+              <a:rPr lang="en-US" sz="1800" cap="none" dirty="0"/>
+              <a:t>  -a {x64,x86}, --arches {x64,x86}</a:t>
+            </a:r>
+          </a:p>
+          <a:p>
+            <a:pPr marL="0" indent="0">
+              <a:buNone/>
+            </a:pPr>
+            <a:r>
+              <a:rPr lang="en-US" sz="1800" cap="none" dirty="0"/>
+              <a:t>                        Choose what installer architectures to test</a:t>
+            </a:r>
+            <a:r>
+              <a:rPr lang="en-US" sz="1800" cap="none" dirty="0" smtClean="0"/>
+              <a:t>.</a:t>
+            </a:r>
+            <a:endParaRPr lang="en-US" sz="1800" cap="none" dirty="0"/>
+          </a:p>
+        </p:txBody>
+      </p:sp>
+    </p:spTree>
+    <p:extLst>
+      <p:ext uri="{BB962C8B-B14F-4D97-AF65-F5344CB8AC3E}">
+        <p14:creationId xmlns:p14="http://schemas.microsoft.com/office/powerpoint/2010/main" val="4128752937"/>
       </p:ext>
     </p:extLst>
   </p:cSld>
@@ -6295,7 +8141,7 @@
         <p:spPr>
           <a:xfrm>
             <a:off x="1543498" y="1547588"/>
-            <a:ext cx="10363826" cy="3424107"/>
+            <a:ext cx="10363826" cy="5137884"/>
           </a:xfrm>
         </p:spPr>
         <p:txBody>
@@ -6373,12 +8219,13 @@
             </a:r>
             <a:r>
               <a:rPr lang="en-US" sz="2400" cap="none" dirty="0"/>
-              <a:t>Relationship between </a:t>
+              <a:t>Argus configuration </a:t>
             </a:r>
             <a:r>
               <a:rPr lang="en-US" sz="2400" cap="none" dirty="0" smtClean="0"/>
-              <a:t>components</a:t>
-            </a:r>
+              <a:t>file</a:t>
+            </a:r>
+            <a:endParaRPr lang="en-US" sz="2400" cap="none" dirty="0" smtClean="0"/>
           </a:p>
           <a:p>
             <a:pPr marL="0" indent="0">
@@ -6386,7 +8233,24 @@
             </a:pPr>
             <a:r>
               <a:rPr lang="en-US" sz="2400" cap="none" dirty="0" smtClean="0"/>
-              <a:t>7. Advanced concepts</a:t>
+              <a:t>7. </a:t>
+            </a:r>
+            <a:r>
+              <a:rPr lang="en-US" sz="2400" cap="none" dirty="0" smtClean="0"/>
+              <a:t>Advanced </a:t>
+            </a:r>
+            <a:r>
+              <a:rPr lang="en-US" sz="2400" cap="none" dirty="0" smtClean="0"/>
+              <a:t>concepts</a:t>
+            </a:r>
+          </a:p>
+          <a:p>
+            <a:pPr marL="0" indent="0">
+              <a:buNone/>
+            </a:pPr>
+            <a:r>
+              <a:rPr lang="en-US" sz="2400" cap="none" dirty="0" smtClean="0"/>
+              <a:t>8. Using Argus</a:t>
             </a:r>
             <a:endParaRPr lang="en-US" sz="2400" cap="none" dirty="0"/>
           </a:p>
@@ -6396,25 +8260,11 @@
             </a:pPr>
             <a:r>
               <a:rPr lang="en-US" sz="2400" cap="none" dirty="0" smtClean="0"/>
-              <a:t>8. </a:t>
-            </a:r>
-            <a:r>
-              <a:rPr lang="en-US" sz="2400" cap="none" dirty="0"/>
-              <a:t>Argus </a:t>
+              <a:t>9</a:t>
             </a:r>
             <a:r>
               <a:rPr lang="en-US" sz="2400" cap="none" dirty="0" smtClean="0"/>
-              <a:t>configuration file</a:t>
-            </a:r>
-            <a:endParaRPr lang="en-US" sz="2400" cap="none" dirty="0"/>
-          </a:p>
-          <a:p>
-            <a:pPr marL="0" indent="0">
-              <a:buNone/>
-            </a:pPr>
-            <a:r>
-              <a:rPr lang="en-US" sz="2400" cap="none" dirty="0" smtClean="0"/>
-              <a:t>9. Create a comprehensive test</a:t>
+              <a:t>. Create a comprehensive test</a:t>
             </a:r>
             <a:endParaRPr lang="en-US" sz="2400" cap="none" dirty="0"/>
           </a:p>
@@ -6424,6 +8274,486 @@
     <p:extLst>
       <p:ext uri="{BB962C8B-B14F-4D97-AF65-F5344CB8AC3E}">
         <p14:creationId xmlns:p14="http://schemas.microsoft.com/office/powerpoint/2010/main" val="2315576772"/>
+      </p:ext>
+    </p:extLst>
+  </p:cSld>
+  <p:clrMapOvr>
+    <a:masterClrMapping/>
+  </p:clrMapOvr>
+  <p:timing>
+    <p:tnLst>
+      <p:par>
+        <p:cTn id="1" dur="indefinite" restart="never" nodeType="tmRoot"/>
+      </p:par>
+    </p:tnLst>
+  </p:timing>
+</p:sld>
+</file>
+
+<file path=ppt/slides/slide20.xml><?xml version="1.0" encoding="utf-8"?>
+<p:sld xmlns:a="http://schemas.openxmlformats.org/drawingml/2006/main" xmlns:r="http://schemas.openxmlformats.org/officeDocument/2006/relationships" xmlns:p="http://schemas.openxmlformats.org/presentationml/2006/main">
+  <p:cSld>
+    <p:spTree>
+      <p:nvGrpSpPr>
+        <p:cNvPr id="1" name=""/>
+        <p:cNvGrpSpPr/>
+        <p:nvPr/>
+      </p:nvGrpSpPr>
+      <p:grpSpPr>
+        <a:xfrm>
+          <a:off x="0" y="0"/>
+          <a:ext cx="0" cy="0"/>
+          <a:chOff x="0" y="0"/>
+          <a:chExt cx="0" cy="0"/>
+        </a:xfrm>
+      </p:grpSpPr>
+      <p:sp>
+        <p:nvSpPr>
+          <p:cNvPr id="2" name="Title 1"/>
+          <p:cNvSpPr>
+            <a:spLocks noGrp="1"/>
+          </p:cNvSpPr>
+          <p:nvPr>
+            <p:ph type="title"/>
+          </p:nvPr>
+        </p:nvSpPr>
+        <p:spPr>
+          <a:xfrm>
+            <a:off x="965531" y="6047"/>
+            <a:ext cx="10364451" cy="1596177"/>
+          </a:xfrm>
+        </p:spPr>
+        <p:txBody>
+          <a:bodyPr>
+            <a:normAutofit/>
+          </a:bodyPr>
+          <a:lstStyle/>
+          <a:p>
+            <a:r>
+              <a:rPr lang="en-US" sz="4800" cap="none" dirty="0" smtClean="0"/>
+              <a:t>Using Argus</a:t>
+            </a:r>
+            <a:endParaRPr lang="en-US" sz="4800" dirty="0"/>
+          </a:p>
+        </p:txBody>
+      </p:sp>
+      <p:sp>
+        <p:nvSpPr>
+          <p:cNvPr id="5" name="Content Placeholder 2"/>
+          <p:cNvSpPr>
+            <a:spLocks noGrp="1"/>
+          </p:cNvSpPr>
+          <p:nvPr>
+            <p:ph sz="quarter" idx="13"/>
+          </p:nvPr>
+        </p:nvSpPr>
+        <p:spPr>
+          <a:xfrm>
+            <a:off x="1543498" y="1547588"/>
+            <a:ext cx="10363826" cy="4559914"/>
+          </a:xfrm>
+        </p:spPr>
+        <p:txBody>
+          <a:bodyPr>
+            <a:noAutofit/>
+          </a:bodyPr>
+          <a:lstStyle/>
+          <a:p>
+            <a:pPr marL="0" indent="0">
+              <a:buNone/>
+            </a:pPr>
+            <a:r>
+              <a:rPr lang="en-US" sz="1800" cap="none" dirty="0" err="1"/>
+              <a:t>devstack@devstack</a:t>
+            </a:r>
+            <a:r>
+              <a:rPr lang="en-US" sz="1800" cap="none" dirty="0"/>
+              <a:t>:~/</a:t>
+            </a:r>
+            <a:r>
+              <a:rPr lang="en-US" sz="1800" cap="none" dirty="0" err="1"/>
+              <a:t>argus</a:t>
+            </a:r>
+            <a:r>
+              <a:rPr lang="en-US" sz="1800" cap="none" dirty="0"/>
+              <a:t>-ci$ </a:t>
+            </a:r>
+            <a:r>
+              <a:rPr lang="en-US" sz="1800" cap="none" dirty="0" err="1"/>
+              <a:t>argus</a:t>
+            </a:r>
+            <a:r>
+              <a:rPr lang="en-US" sz="1800" cap="none" dirty="0"/>
+              <a:t> cloud </a:t>
+            </a:r>
+            <a:r>
+              <a:rPr lang="en-US" sz="1800" cap="none" dirty="0" smtClean="0"/>
+              <a:t>--help</a:t>
+            </a:r>
+          </a:p>
+          <a:p>
+            <a:pPr marL="0" indent="0">
+              <a:buNone/>
+            </a:pPr>
+            <a:r>
+              <a:rPr lang="en-US" sz="1800" cap="none" dirty="0" smtClean="0"/>
+              <a:t>…</a:t>
+            </a:r>
+            <a:endParaRPr lang="en-US" sz="1800" cap="none" dirty="0"/>
+          </a:p>
+          <a:p>
+            <a:pPr marL="0" indent="0">
+              <a:buNone/>
+            </a:pPr>
+            <a:r>
+              <a:rPr lang="en-US" sz="1800" cap="none" dirty="0" smtClean="0"/>
+              <a:t>  --</a:t>
+            </a:r>
+            <a:r>
+              <a:rPr lang="en-US" sz="1800" cap="none" dirty="0"/>
+              <a:t>patch-install URL   Pass a link that points *directly* to a zip file</a:t>
+            </a:r>
+          </a:p>
+          <a:p>
+            <a:pPr marL="0" indent="0">
+              <a:buNone/>
+            </a:pPr>
+            <a:r>
+              <a:rPr lang="en-US" sz="1800" cap="none" dirty="0"/>
+              <a:t>                        containing the installed version. The content will</a:t>
+            </a:r>
+          </a:p>
+          <a:p>
+            <a:pPr marL="0" indent="0">
+              <a:buNone/>
+            </a:pPr>
+            <a:r>
+              <a:rPr lang="en-US" sz="1800" cap="none" dirty="0"/>
+              <a:t>                        just replace the files.</a:t>
+            </a:r>
+          </a:p>
+          <a:p>
+            <a:pPr marL="0" indent="0">
+              <a:buNone/>
+            </a:pPr>
+            <a:r>
+              <a:rPr lang="en-US" sz="1800" cap="none" dirty="0"/>
+              <a:t>  --</a:t>
+            </a:r>
+            <a:r>
+              <a:rPr lang="en-US" sz="1800" cap="none" dirty="0" err="1"/>
+              <a:t>git</a:t>
+            </a:r>
+            <a:r>
+              <a:rPr lang="en-US" sz="1800" cap="none" dirty="0"/>
+              <a:t>-command GIT_COMMAND</a:t>
+            </a:r>
+          </a:p>
+          <a:p>
+            <a:pPr marL="0" indent="0">
+              <a:buNone/>
+            </a:pPr>
+            <a:r>
+              <a:rPr lang="en-US" sz="1800" cap="none" dirty="0"/>
+              <a:t>                        Pass a </a:t>
+            </a:r>
+            <a:r>
+              <a:rPr lang="en-US" sz="1800" cap="none" dirty="0" err="1"/>
+              <a:t>git</a:t>
+            </a:r>
+            <a:r>
+              <a:rPr lang="en-US" sz="1800" cap="none" dirty="0"/>
+              <a:t> command which should be interpreted by a</a:t>
+            </a:r>
+          </a:p>
+          <a:p>
+            <a:pPr marL="0" indent="0">
+              <a:buNone/>
+            </a:pPr>
+            <a:r>
+              <a:rPr lang="en-US" sz="1800" cap="none" dirty="0"/>
+              <a:t>                        recipe</a:t>
+            </a:r>
+            <a:r>
+              <a:rPr lang="en-US" sz="1800" cap="none" dirty="0" smtClean="0"/>
+              <a:t>.</a:t>
+            </a:r>
+          </a:p>
+          <a:p>
+            <a:pPr marL="0" indent="0">
+              <a:buNone/>
+            </a:pPr>
+            <a:r>
+              <a:rPr lang="en-US" sz="1800" cap="none" dirty="0" smtClean="0">
+                <a:solidFill>
+                  <a:srgbClr val="C00000"/>
+                </a:solidFill>
+              </a:rPr>
+              <a:t>Example</a:t>
+            </a:r>
+            <a:r>
+              <a:rPr lang="en-US" sz="1800" cap="none" dirty="0" smtClean="0"/>
+              <a:t>: </a:t>
+            </a:r>
+            <a:r>
+              <a:rPr lang="en-US" sz="1800" cap="none" dirty="0" err="1" smtClean="0"/>
+              <a:t>argus</a:t>
+            </a:r>
+            <a:r>
+              <a:rPr lang="en-US" sz="1800" cap="none" dirty="0" smtClean="0"/>
+              <a:t> cloud --</a:t>
+            </a:r>
+            <a:r>
+              <a:rPr lang="en-US" sz="1800" cap="none" dirty="0" err="1" smtClean="0"/>
+              <a:t>conf</a:t>
+            </a:r>
+            <a:r>
+              <a:rPr lang="en-US" sz="1800" cap="none" dirty="0" smtClean="0"/>
+              <a:t> </a:t>
+            </a:r>
+            <a:r>
+              <a:rPr lang="en-US" sz="1800" cap="none" dirty="0" err="1" smtClean="0"/>
+              <a:t>argus.conf</a:t>
+            </a:r>
+            <a:r>
+              <a:rPr lang="en-US" sz="1800" cap="none" dirty="0"/>
+              <a:t> -</a:t>
+            </a:r>
+            <a:r>
+              <a:rPr lang="en-US" sz="1800" cap="none" dirty="0" smtClean="0"/>
+              <a:t>p -o </a:t>
+            </a:r>
+            <a:r>
+              <a:rPr lang="en-US" sz="1800" cap="none" dirty="0" err="1" smtClean="0"/>
+              <a:t>cblogs</a:t>
+            </a:r>
+            <a:r>
+              <a:rPr lang="en-US" sz="1800" cap="none" dirty="0" smtClean="0"/>
+              <a:t> -a x64 --</a:t>
+            </a:r>
+            <a:r>
+              <a:rPr lang="en-US" sz="1800" cap="none" dirty="0" err="1" smtClean="0"/>
+              <a:t>git</a:t>
+            </a:r>
+            <a:r>
+              <a:rPr lang="en-US" sz="1800" cap="none" dirty="0" smtClean="0"/>
+              <a:t>-command “</a:t>
+            </a:r>
+            <a:r>
+              <a:rPr lang="en-US" sz="1800" cap="none" dirty="0" err="1" smtClean="0"/>
+              <a:t>git</a:t>
+            </a:r>
+            <a:r>
+              <a:rPr lang="en-US" sz="1800" cap="none" dirty="0" smtClean="0"/>
+              <a:t> fetch … &amp;&amp; </a:t>
+            </a:r>
+            <a:r>
+              <a:rPr lang="en-US" sz="1800" cap="none" dirty="0" err="1" smtClean="0"/>
+              <a:t>git</a:t>
+            </a:r>
+            <a:r>
+              <a:rPr lang="en-US" sz="1800" cap="none" dirty="0" smtClean="0"/>
+              <a:t> checkout …”</a:t>
+            </a:r>
+            <a:endParaRPr lang="en-US" sz="1800" cap="none" dirty="0"/>
+          </a:p>
+        </p:txBody>
+      </p:sp>
+    </p:spTree>
+    <p:extLst>
+      <p:ext uri="{BB962C8B-B14F-4D97-AF65-F5344CB8AC3E}">
+        <p14:creationId xmlns:p14="http://schemas.microsoft.com/office/powerpoint/2010/main" val="2199210254"/>
+      </p:ext>
+    </p:extLst>
+  </p:cSld>
+  <p:clrMapOvr>
+    <a:masterClrMapping/>
+  </p:clrMapOvr>
+  <p:timing>
+    <p:tnLst>
+      <p:par>
+        <p:cTn id="1" dur="indefinite" restart="never" nodeType="tmRoot"/>
+      </p:par>
+    </p:tnLst>
+  </p:timing>
+</p:sld>
+</file>
+
+<file path=ppt/slides/slide21.xml><?xml version="1.0" encoding="utf-8"?>
+<p:sld xmlns:a="http://schemas.openxmlformats.org/drawingml/2006/main" xmlns:r="http://schemas.openxmlformats.org/officeDocument/2006/relationships" xmlns:p="http://schemas.openxmlformats.org/presentationml/2006/main">
+  <p:cSld>
+    <p:spTree>
+      <p:nvGrpSpPr>
+        <p:cNvPr id="1" name=""/>
+        <p:cNvGrpSpPr/>
+        <p:nvPr/>
+      </p:nvGrpSpPr>
+      <p:grpSpPr>
+        <a:xfrm>
+          <a:off x="0" y="0"/>
+          <a:ext cx="0" cy="0"/>
+          <a:chOff x="0" y="0"/>
+          <a:chExt cx="0" cy="0"/>
+        </a:xfrm>
+      </p:grpSpPr>
+      <p:sp>
+        <p:nvSpPr>
+          <p:cNvPr id="2" name="Title 1"/>
+          <p:cNvSpPr>
+            <a:spLocks noGrp="1"/>
+          </p:cNvSpPr>
+          <p:nvPr>
+            <p:ph type="title"/>
+          </p:nvPr>
+        </p:nvSpPr>
+        <p:spPr>
+          <a:xfrm>
+            <a:off x="965531" y="6047"/>
+            <a:ext cx="10364451" cy="1596177"/>
+          </a:xfrm>
+        </p:spPr>
+        <p:txBody>
+          <a:bodyPr>
+            <a:normAutofit/>
+          </a:bodyPr>
+          <a:lstStyle/>
+          <a:p>
+            <a:r>
+              <a:rPr lang="en-US" sz="4800" cap="none" dirty="0" smtClean="0"/>
+              <a:t>Develop a test</a:t>
+            </a:r>
+            <a:endParaRPr lang="en-US" sz="4800" dirty="0"/>
+          </a:p>
+        </p:txBody>
+      </p:sp>
+      <p:sp>
+        <p:nvSpPr>
+          <p:cNvPr id="5" name="Content Placeholder 2"/>
+          <p:cNvSpPr>
+            <a:spLocks noGrp="1"/>
+          </p:cNvSpPr>
+          <p:nvPr>
+            <p:ph sz="quarter" idx="13"/>
+          </p:nvPr>
+        </p:nvSpPr>
+        <p:spPr>
+          <a:xfrm>
+            <a:off x="1543498" y="1547588"/>
+            <a:ext cx="10363826" cy="4559914"/>
+          </a:xfrm>
+        </p:spPr>
+        <p:txBody>
+          <a:bodyPr>
+            <a:noAutofit/>
+          </a:bodyPr>
+          <a:lstStyle/>
+          <a:p>
+            <a:pPr>
+              <a:buFontTx/>
+              <a:buChar char="-"/>
+            </a:pPr>
+            <a:r>
+              <a:rPr lang="en-US" sz="2400" cap="none" dirty="0" err="1" smtClean="0"/>
+              <a:t>Cloudbase-init</a:t>
+            </a:r>
+            <a:r>
+              <a:rPr lang="en-US" sz="2400" cap="none" dirty="0" smtClean="0"/>
+              <a:t> patch (not merged)</a:t>
+            </a:r>
+          </a:p>
+          <a:p>
+            <a:pPr>
+              <a:buFontTx/>
+              <a:buChar char="-"/>
+            </a:pPr>
+            <a:r>
+              <a:rPr lang="en-US" sz="2400" cap="none" dirty="0" smtClean="0"/>
+              <a:t>Custom new one or use already created (class):</a:t>
+            </a:r>
+          </a:p>
+          <a:p>
+            <a:pPr lvl="1">
+              <a:buFontTx/>
+              <a:buChar char="-"/>
+            </a:pPr>
+            <a:r>
+              <a:rPr lang="en-US" sz="2200" cap="none" dirty="0" smtClean="0"/>
+              <a:t>Scenario</a:t>
+            </a:r>
+          </a:p>
+          <a:p>
+            <a:pPr lvl="1">
+              <a:buFontTx/>
+              <a:buChar char="-"/>
+            </a:pPr>
+            <a:r>
+              <a:rPr lang="en-US" sz="2200" cap="none" dirty="0" smtClean="0"/>
+              <a:t>Recipe</a:t>
+            </a:r>
+          </a:p>
+          <a:p>
+            <a:pPr lvl="1">
+              <a:buFontTx/>
+              <a:buChar char="-"/>
+            </a:pPr>
+            <a:r>
+              <a:rPr lang="en-US" sz="2200" cap="none" dirty="0" smtClean="0"/>
+              <a:t>Test(s)</a:t>
+            </a:r>
+          </a:p>
+          <a:p>
+            <a:pPr lvl="1">
+              <a:buFontTx/>
+              <a:buChar char="-"/>
+            </a:pPr>
+            <a:r>
+              <a:rPr lang="en-US" sz="2200" cap="none" dirty="0" smtClean="0"/>
+              <a:t>Introspection</a:t>
+            </a:r>
+            <a:endParaRPr lang="en-US" sz="2200" cap="none" dirty="0"/>
+          </a:p>
+          <a:p>
+            <a:pPr>
+              <a:buFontTx/>
+              <a:buChar char="-"/>
+            </a:pPr>
+            <a:r>
+              <a:rPr lang="en-US" sz="2400" cap="none" dirty="0" smtClean="0"/>
+              <a:t>New “scenario_” group in </a:t>
+            </a:r>
+            <a:r>
+              <a:rPr lang="en-US" sz="2400" cap="none" dirty="0" err="1" smtClean="0"/>
+              <a:t>config</a:t>
+            </a:r>
+            <a:r>
+              <a:rPr lang="en-US" sz="2400" cap="none" dirty="0" smtClean="0"/>
+              <a:t> file</a:t>
+            </a:r>
+          </a:p>
+          <a:p>
+            <a:pPr>
+              <a:buFontTx/>
+              <a:buChar char="-"/>
+            </a:pPr>
+            <a:r>
+              <a:rPr lang="en-US" sz="2400" cap="none" dirty="0" smtClean="0"/>
+              <a:t>Run </a:t>
+            </a:r>
+            <a:r>
+              <a:rPr lang="en-US" sz="2400" cap="none" dirty="0" err="1" smtClean="0"/>
+              <a:t>argus</a:t>
+            </a:r>
+            <a:r>
+              <a:rPr lang="en-US" sz="2400" cap="none" dirty="0" smtClean="0"/>
+              <a:t> &amp; inspect logs</a:t>
+            </a:r>
+          </a:p>
+        </p:txBody>
+      </p:sp>
+    </p:spTree>
+    <p:extLst>
+      <p:ext uri="{BB962C8B-B14F-4D97-AF65-F5344CB8AC3E}">
+        <p14:creationId xmlns:p14="http://schemas.microsoft.com/office/powerpoint/2010/main" val="3425675524"/>
       </p:ext>
     </p:extLst>
   </p:cSld>
@@ -7638,6 +9968,306 @@
     <p:extLst>
       <p:ext uri="{BB962C8B-B14F-4D97-AF65-F5344CB8AC3E}">
         <p14:creationId xmlns:p14="http://schemas.microsoft.com/office/powerpoint/2010/main" val="3425237002"/>
+      </p:ext>
+    </p:extLst>
+  </p:cSld>
+  <p:clrMapOvr>
+    <a:masterClrMapping/>
+  </p:clrMapOvr>
+  <p:timing>
+    <p:tnLst>
+      <p:par>
+        <p:cTn id="1" dur="indefinite" restart="never" nodeType="tmRoot"/>
+      </p:par>
+    </p:tnLst>
+  </p:timing>
+</p:sld>
+</file>
+
+<file path=ppt/slides/slide8.xml><?xml version="1.0" encoding="utf-8"?>
+<p:sld xmlns:a="http://schemas.openxmlformats.org/drawingml/2006/main" xmlns:r="http://schemas.openxmlformats.org/officeDocument/2006/relationships" xmlns:p="http://schemas.openxmlformats.org/presentationml/2006/main">
+  <p:cSld>
+    <p:spTree>
+      <p:nvGrpSpPr>
+        <p:cNvPr id="1" name=""/>
+        <p:cNvGrpSpPr/>
+        <p:nvPr/>
+      </p:nvGrpSpPr>
+      <p:grpSpPr>
+        <a:xfrm>
+          <a:off x="0" y="0"/>
+          <a:ext cx="0" cy="0"/>
+          <a:chOff x="0" y="0"/>
+          <a:chExt cx="0" cy="0"/>
+        </a:xfrm>
+      </p:grpSpPr>
+      <p:sp>
+        <p:nvSpPr>
+          <p:cNvPr id="2" name="Title 1"/>
+          <p:cNvSpPr>
+            <a:spLocks noGrp="1"/>
+          </p:cNvSpPr>
+          <p:nvPr>
+            <p:ph type="title"/>
+          </p:nvPr>
+        </p:nvSpPr>
+        <p:spPr>
+          <a:xfrm>
+            <a:off x="965531" y="6047"/>
+            <a:ext cx="10364451" cy="1596177"/>
+          </a:xfrm>
+        </p:spPr>
+        <p:txBody>
+          <a:bodyPr>
+            <a:normAutofit/>
+          </a:bodyPr>
+          <a:lstStyle/>
+          <a:p>
+            <a:r>
+              <a:rPr lang="en-US" sz="4800" cap="none" dirty="0"/>
+              <a:t>Testing </a:t>
+            </a:r>
+            <a:r>
+              <a:rPr lang="en-US" sz="4800" cap="none" dirty="0" err="1"/>
+              <a:t>Cloudbase-Init</a:t>
+            </a:r>
+            <a:endParaRPr lang="en-US" sz="4800" dirty="0"/>
+          </a:p>
+        </p:txBody>
+      </p:sp>
+      <p:sp>
+        <p:nvSpPr>
+          <p:cNvPr id="5" name="Content Placeholder 2"/>
+          <p:cNvSpPr>
+            <a:spLocks noGrp="1"/>
+          </p:cNvSpPr>
+          <p:nvPr>
+            <p:ph sz="quarter" idx="13"/>
+          </p:nvPr>
+        </p:nvSpPr>
+        <p:spPr>
+          <a:xfrm>
+            <a:off x="1543498" y="1547588"/>
+            <a:ext cx="10363826" cy="4559914"/>
+          </a:xfrm>
+        </p:spPr>
+        <p:txBody>
+          <a:bodyPr>
+            <a:noAutofit/>
+          </a:bodyPr>
+          <a:lstStyle/>
+          <a:p>
+            <a:pPr>
+              <a:buFontTx/>
+              <a:buChar char="-"/>
+            </a:pPr>
+            <a:r>
+              <a:rPr lang="en-US" sz="2400" cap="none" dirty="0" smtClean="0"/>
+              <a:t>Unit testing (local &amp; Jenkins)</a:t>
+            </a:r>
+          </a:p>
+          <a:p>
+            <a:pPr>
+              <a:buFontTx/>
+              <a:buChar char="-"/>
+            </a:pPr>
+            <a:r>
+              <a:rPr lang="en-US" sz="2400" cap="none" dirty="0" smtClean="0"/>
+              <a:t>Windows VM</a:t>
+            </a:r>
+          </a:p>
+          <a:p>
+            <a:pPr>
+              <a:buFontTx/>
+              <a:buChar char="-"/>
+            </a:pPr>
+            <a:r>
+              <a:rPr lang="en-US" sz="2400" cap="none" dirty="0" smtClean="0"/>
+              <a:t>Installer &amp; Service</a:t>
+            </a:r>
+          </a:p>
+          <a:p>
+            <a:pPr>
+              <a:buFontTx/>
+              <a:buChar char="-"/>
+            </a:pPr>
+            <a:r>
+              <a:rPr lang="en-US" sz="2400" cap="none" dirty="0" smtClean="0"/>
+              <a:t>OpenStack instance</a:t>
+            </a:r>
+          </a:p>
+          <a:p>
+            <a:pPr>
+              <a:buFontTx/>
+              <a:buChar char="-"/>
+            </a:pPr>
+            <a:r>
+              <a:rPr lang="en-US" sz="2400" cap="none" dirty="0" err="1" smtClean="0"/>
+              <a:t>OpenNebula</a:t>
+            </a:r>
+            <a:r>
+              <a:rPr lang="en-US" sz="2400" cap="none" dirty="0" smtClean="0"/>
+              <a:t>, </a:t>
+            </a:r>
+            <a:r>
+              <a:rPr lang="en-US" sz="2400" cap="none" dirty="0" err="1" smtClean="0"/>
+              <a:t>CloudStack</a:t>
+            </a:r>
+            <a:r>
+              <a:rPr lang="en-US" sz="2400" cap="none" dirty="0" smtClean="0"/>
+              <a:t> etc. instance</a:t>
+            </a:r>
+          </a:p>
+          <a:p>
+            <a:pPr>
+              <a:buFontTx/>
+              <a:buChar char="-"/>
+            </a:pPr>
+            <a:r>
+              <a:rPr lang="en-US" sz="2400" cap="none" dirty="0" smtClean="0"/>
+              <a:t>Automation</a:t>
+            </a:r>
+            <a:r>
+              <a:rPr lang="ro-RO" sz="2400" cap="none" dirty="0" smtClean="0"/>
+              <a:t>?</a:t>
+            </a:r>
+            <a:endParaRPr lang="en-US" sz="2400" cap="none" dirty="0" smtClean="0"/>
+          </a:p>
+        </p:txBody>
+      </p:sp>
+    </p:spTree>
+    <p:extLst>
+      <p:ext uri="{BB962C8B-B14F-4D97-AF65-F5344CB8AC3E}">
+        <p14:creationId xmlns:p14="http://schemas.microsoft.com/office/powerpoint/2010/main" val="207797175"/>
+      </p:ext>
+    </p:extLst>
+  </p:cSld>
+  <p:clrMapOvr>
+    <a:masterClrMapping/>
+  </p:clrMapOvr>
+  <p:timing>
+    <p:tnLst>
+      <p:par>
+        <p:cTn id="1" dur="indefinite" restart="never" nodeType="tmRoot"/>
+      </p:par>
+    </p:tnLst>
+  </p:timing>
+</p:sld>
+</file>
+
+<file path=ppt/slides/slide9.xml><?xml version="1.0" encoding="utf-8"?>
+<p:sld xmlns:a="http://schemas.openxmlformats.org/drawingml/2006/main" xmlns:r="http://schemas.openxmlformats.org/officeDocument/2006/relationships" xmlns:p="http://schemas.openxmlformats.org/presentationml/2006/main">
+  <p:cSld>
+    <p:spTree>
+      <p:nvGrpSpPr>
+        <p:cNvPr id="1" name=""/>
+        <p:cNvGrpSpPr/>
+        <p:nvPr/>
+      </p:nvGrpSpPr>
+      <p:grpSpPr>
+        <a:xfrm>
+          <a:off x="0" y="0"/>
+          <a:ext cx="0" cy="0"/>
+          <a:chOff x="0" y="0"/>
+          <a:chExt cx="0" cy="0"/>
+        </a:xfrm>
+      </p:grpSpPr>
+      <p:sp>
+        <p:nvSpPr>
+          <p:cNvPr id="2" name="Title 1"/>
+          <p:cNvSpPr>
+            <a:spLocks noGrp="1"/>
+          </p:cNvSpPr>
+          <p:nvPr>
+            <p:ph type="title"/>
+          </p:nvPr>
+        </p:nvSpPr>
+        <p:spPr>
+          <a:xfrm>
+            <a:off x="965531" y="6047"/>
+            <a:ext cx="10364451" cy="1596177"/>
+          </a:xfrm>
+        </p:spPr>
+        <p:txBody>
+          <a:bodyPr>
+            <a:normAutofit/>
+          </a:bodyPr>
+          <a:lstStyle/>
+          <a:p>
+            <a:r>
+              <a:rPr lang="en-US" sz="4800" cap="none" dirty="0" smtClean="0"/>
+              <a:t>Argus</a:t>
+            </a:r>
+            <a:endParaRPr lang="en-US" sz="4800" dirty="0"/>
+          </a:p>
+        </p:txBody>
+      </p:sp>
+      <p:sp>
+        <p:nvSpPr>
+          <p:cNvPr id="5" name="Content Placeholder 2"/>
+          <p:cNvSpPr>
+            <a:spLocks noGrp="1"/>
+          </p:cNvSpPr>
+          <p:nvPr>
+            <p:ph sz="quarter" idx="13"/>
+          </p:nvPr>
+        </p:nvSpPr>
+        <p:spPr>
+          <a:xfrm>
+            <a:off x="1543498" y="1547588"/>
+            <a:ext cx="10363826" cy="4559914"/>
+          </a:xfrm>
+        </p:spPr>
+        <p:txBody>
+          <a:bodyPr>
+            <a:noAutofit/>
+          </a:bodyPr>
+          <a:lstStyle/>
+          <a:p>
+            <a:pPr>
+              <a:buFontTx/>
+              <a:buChar char="-"/>
+            </a:pPr>
+            <a:r>
+              <a:rPr lang="en-US" sz="2400" cap="none" dirty="0" smtClean="0"/>
+              <a:t>Integration tests</a:t>
+            </a:r>
+          </a:p>
+          <a:p>
+            <a:pPr>
+              <a:buFontTx/>
+              <a:buChar char="-"/>
+            </a:pPr>
+            <a:r>
+              <a:rPr lang="en-US" sz="2400" cap="none" dirty="0" smtClean="0"/>
+              <a:t>More than a CI framework</a:t>
+            </a:r>
+          </a:p>
+          <a:p>
+            <a:pPr marL="0" indent="0">
+              <a:buNone/>
+            </a:pPr>
+            <a:r>
+              <a:rPr lang="en-US" sz="2400" cap="none" dirty="0" smtClean="0"/>
+              <a:t>- General use</a:t>
+            </a:r>
+          </a:p>
+          <a:p>
+            <a:pPr>
+              <a:buFontTx/>
+              <a:buChar char="-"/>
+            </a:pPr>
+            <a:r>
+              <a:rPr lang="en-US" sz="2400" cap="none" dirty="0" smtClean="0"/>
+              <a:t>Written in Python</a:t>
+            </a:r>
+          </a:p>
+        </p:txBody>
+      </p:sp>
+    </p:spTree>
+    <p:extLst>
+      <p:ext uri="{BB962C8B-B14F-4D97-AF65-F5344CB8AC3E}">
+        <p14:creationId xmlns:p14="http://schemas.microsoft.com/office/powerpoint/2010/main" val="1395724322"/>
       </p:ext>
     </p:extLst>
   </p:cSld>

--- a/ropython/ep15/argus.pptx
+++ b/ropython/ep15/argus.pptx
@@ -224,7 +224,7 @@
           <a:p>
             <a:fld id="{199FF80C-6829-4BA1-B7D2-CDF8E5934424}" type="datetimeFigureOut">
               <a:rPr lang="en-US" smtClean="0"/>
-              <a:t>20-Jul-15</a:t>
+              <a:t>21-Jul-15</a:t>
             </a:fld>
             <a:endParaRPr lang="en-US"/>
           </a:p>
@@ -893,6 +893,116 @@
           <a:bodyPr/>
           <a:lstStyle/>
           <a:p>
+            <a:r>
+              <a:rPr lang="en-US" dirty="0" smtClean="0"/>
+              <a:t>These infrastructures are</a:t>
+            </a:r>
+            <a:r>
+              <a:rPr lang="en-US" baseline="0" dirty="0" smtClean="0"/>
+              <a:t> mainly used to create and handle with ease many instances which are basically virtual machines emulated by a hypervisor.</a:t>
+            </a:r>
+          </a:p>
+          <a:p>
+            <a:r>
+              <a:rPr lang="en-US" dirty="0" smtClean="0"/>
+              <a:t>There</a:t>
+            </a:r>
+            <a:r>
+              <a:rPr lang="en-US" baseline="0" dirty="0" smtClean="0"/>
+              <a:t> are some important things which we should know about the Clouds</a:t>
+            </a:r>
+            <a:r>
+              <a:rPr lang="en-US" baseline="0" smtClean="0"/>
+              <a:t>, </a:t>
+            </a:r>
+            <a:r>
+              <a:rPr lang="en-US" baseline="0" smtClean="0"/>
+              <a:t>like…</a:t>
+            </a:r>
+            <a:endParaRPr lang="en-US" dirty="0"/>
+          </a:p>
+        </p:txBody>
+      </p:sp>
+      <p:sp>
+        <p:nvSpPr>
+          <p:cNvPr id="4" name="Slide Number Placeholder 3"/>
+          <p:cNvSpPr>
+            <a:spLocks noGrp="1"/>
+          </p:cNvSpPr>
+          <p:nvPr>
+            <p:ph type="sldNum" sz="quarter" idx="10"/>
+          </p:nvPr>
+        </p:nvSpPr>
+        <p:spPr/>
+        <p:txBody>
+          <a:bodyPr/>
+          <a:lstStyle/>
+          <a:p>
+            <a:fld id="{07C5C33B-0D1A-4353-98A1-61FBFB71A993}" type="slidenum">
+              <a:rPr lang="en-US" smtClean="0"/>
+              <a:t>4</a:t>
+            </a:fld>
+            <a:endParaRPr lang="en-US"/>
+          </a:p>
+        </p:txBody>
+      </p:sp>
+    </p:spTree>
+    <p:extLst>
+      <p:ext uri="{BB962C8B-B14F-4D97-AF65-F5344CB8AC3E}">
+        <p14:creationId xmlns:p14="http://schemas.microsoft.com/office/powerpoint/2010/main" val="1005217932"/>
+      </p:ext>
+    </p:extLst>
+  </p:cSld>
+  <p:clrMapOvr>
+    <a:masterClrMapping/>
+  </p:clrMapOvr>
+</p:notes>
+</file>
+
+<file path=ppt/notesSlides/notesSlide5.xml><?xml version="1.0" encoding="utf-8"?>
+<p:notes xmlns:a="http://schemas.openxmlformats.org/drawingml/2006/main" xmlns:r="http://schemas.openxmlformats.org/officeDocument/2006/relationships" xmlns:p="http://schemas.openxmlformats.org/presentationml/2006/main">
+  <p:cSld>
+    <p:spTree>
+      <p:nvGrpSpPr>
+        <p:cNvPr id="1" name=""/>
+        <p:cNvGrpSpPr/>
+        <p:nvPr/>
+      </p:nvGrpSpPr>
+      <p:grpSpPr>
+        <a:xfrm>
+          <a:off x="0" y="0"/>
+          <a:ext cx="0" cy="0"/>
+          <a:chOff x="0" y="0"/>
+          <a:chExt cx="0" cy="0"/>
+        </a:xfrm>
+      </p:grpSpPr>
+      <p:sp>
+        <p:nvSpPr>
+          <p:cNvPr id="2" name="Slide Image Placeholder 1"/>
+          <p:cNvSpPr>
+            <a:spLocks noGrp="1" noRot="1" noChangeAspect="1"/>
+          </p:cNvSpPr>
+          <p:nvPr>
+            <p:ph type="sldImg"/>
+          </p:nvPr>
+        </p:nvSpPr>
+        <p:spPr/>
+      </p:sp>
+      <p:sp>
+        <p:nvSpPr>
+          <p:cNvPr id="3" name="Notes Placeholder 2"/>
+          <p:cNvSpPr>
+            <a:spLocks noGrp="1"/>
+          </p:cNvSpPr>
+          <p:nvPr>
+            <p:ph type="body" idx="1"/>
+          </p:nvPr>
+        </p:nvSpPr>
+        <p:spPr/>
+        <p:txBody>
+          <a:bodyPr/>
+          <a:lstStyle/>
+          <a:p>
             <a:endParaRPr lang="en-US"/>
           </a:p>
         </p:txBody>
@@ -1104,7 +1214,7 @@
           <a:p>
             <a:fld id="{48A87A34-81AB-432B-8DAE-1953F412C126}" type="datetimeFigureOut">
               <a:rPr lang="en-US" dirty="0"/>
-              <a:t>20-Jul-15</a:t>
+              <a:t>21-Jul-15</a:t>
             </a:fld>
             <a:endParaRPr lang="en-US" dirty="0"/>
           </a:p>
@@ -1411,7 +1521,7 @@
           <a:p>
             <a:fld id="{48A87A34-81AB-432B-8DAE-1953F412C126}" type="datetimeFigureOut">
               <a:rPr lang="en-US" dirty="0"/>
-              <a:t>20-Jul-15</a:t>
+              <a:t>21-Jul-15</a:t>
             </a:fld>
             <a:endParaRPr lang="en-US" dirty="0"/>
           </a:p>
@@ -1628,7 +1738,7 @@
           <a:p>
             <a:fld id="{48A87A34-81AB-432B-8DAE-1953F412C126}" type="datetimeFigureOut">
               <a:rPr lang="en-US" dirty="0"/>
-              <a:t>20-Jul-15</a:t>
+              <a:t>21-Jul-15</a:t>
             </a:fld>
             <a:endParaRPr lang="en-US" dirty="0"/>
           </a:p>
@@ -1914,7 +2024,7 @@
           <a:p>
             <a:fld id="{48A87A34-81AB-432B-8DAE-1953F412C126}" type="datetimeFigureOut">
               <a:rPr lang="en-US" dirty="0"/>
-              <a:t>20-Jul-15</a:t>
+              <a:t>21-Jul-15</a:t>
             </a:fld>
             <a:endParaRPr lang="en-US" dirty="0"/>
           </a:p>
@@ -2363,7 +2473,7 @@
           <a:p>
             <a:fld id="{48A87A34-81AB-432B-8DAE-1953F412C126}" type="datetimeFigureOut">
               <a:rPr lang="en-US" dirty="0"/>
-              <a:t>20-Jul-15</a:t>
+              <a:t>21-Jul-15</a:t>
             </a:fld>
             <a:endParaRPr lang="en-US" dirty="0"/>
           </a:p>
@@ -2934,7 +3044,7 @@
           <a:p>
             <a:fld id="{48A87A34-81AB-432B-8DAE-1953F412C126}" type="datetimeFigureOut">
               <a:rPr lang="en-US" dirty="0"/>
-              <a:t>20-Jul-15</a:t>
+              <a:t>21-Jul-15</a:t>
             </a:fld>
             <a:endParaRPr lang="en-US" dirty="0"/>
           </a:p>
@@ -3781,7 +3891,7 @@
           <a:p>
             <a:fld id="{48A87A34-81AB-432B-8DAE-1953F412C126}" type="datetimeFigureOut">
               <a:rPr lang="en-US" dirty="0"/>
-              <a:t>20-Jul-15</a:t>
+              <a:t>21-Jul-15</a:t>
             </a:fld>
             <a:endParaRPr lang="en-US" dirty="0"/>
           </a:p>
@@ -3981,7 +4091,7 @@
           <a:p>
             <a:fld id="{48A87A34-81AB-432B-8DAE-1953F412C126}" type="datetimeFigureOut">
               <a:rPr lang="en-US" dirty="0"/>
-              <a:t>20-Jul-15</a:t>
+              <a:t>21-Jul-15</a:t>
             </a:fld>
             <a:endParaRPr lang="en-US" dirty="0"/>
           </a:p>
@@ -4190,7 +4300,7 @@
           <a:p>
             <a:fld id="{48A87A34-81AB-432B-8DAE-1953F412C126}" type="datetimeFigureOut">
               <a:rPr lang="en-US" dirty="0"/>
-              <a:t>20-Jul-15</a:t>
+              <a:t>21-Jul-15</a:t>
             </a:fld>
             <a:endParaRPr lang="en-US" dirty="0"/>
           </a:p>
@@ -4390,7 +4500,7 @@
           <a:p>
             <a:fld id="{48A87A34-81AB-432B-8DAE-1953F412C126}" type="datetimeFigureOut">
               <a:rPr lang="en-US" dirty="0"/>
-              <a:t>20-Jul-15</a:t>
+              <a:t>21-Jul-15</a:t>
             </a:fld>
             <a:endParaRPr lang="en-US" dirty="0"/>
           </a:p>
@@ -4665,7 +4775,7 @@
           <a:p>
             <a:fld id="{48A87A34-81AB-432B-8DAE-1953F412C126}" type="datetimeFigureOut">
               <a:rPr lang="en-US" dirty="0"/>
-              <a:t>20-Jul-15</a:t>
+              <a:t>21-Jul-15</a:t>
             </a:fld>
             <a:endParaRPr lang="en-US" dirty="0"/>
           </a:p>
@@ -4927,7 +5037,7 @@
           <a:p>
             <a:fld id="{48A87A34-81AB-432B-8DAE-1953F412C126}" type="datetimeFigureOut">
               <a:rPr lang="en-US" dirty="0"/>
-              <a:t>20-Jul-15</a:t>
+              <a:t>21-Jul-15</a:t>
             </a:fld>
             <a:endParaRPr lang="en-US" dirty="0"/>
           </a:p>
@@ -5337,7 +5447,7 @@
           <a:p>
             <a:fld id="{48A87A34-81AB-432B-8DAE-1953F412C126}" type="datetimeFigureOut">
               <a:rPr lang="en-US" dirty="0"/>
-              <a:t>20-Jul-15</a:t>
+              <a:t>21-Jul-15</a:t>
             </a:fld>
             <a:endParaRPr lang="en-US" dirty="0"/>
           </a:p>
@@ -5480,7 +5590,7 @@
           <a:p>
             <a:fld id="{48A87A34-81AB-432B-8DAE-1953F412C126}" type="datetimeFigureOut">
               <a:rPr lang="en-US" dirty="0"/>
-              <a:t>20-Jul-15</a:t>
+              <a:t>21-Jul-15</a:t>
             </a:fld>
             <a:endParaRPr lang="en-US" dirty="0"/>
           </a:p>
@@ -5600,7 +5710,7 @@
           <a:p>
             <a:fld id="{48A87A34-81AB-432B-8DAE-1953F412C126}" type="datetimeFigureOut">
               <a:rPr lang="en-US" dirty="0"/>
-              <a:t>20-Jul-15</a:t>
+              <a:t>21-Jul-15</a:t>
             </a:fld>
             <a:endParaRPr lang="en-US" dirty="0"/>
           </a:p>
@@ -5874,7 +5984,7 @@
           <a:p>
             <a:fld id="{48A87A34-81AB-432B-8DAE-1953F412C126}" type="datetimeFigureOut">
               <a:rPr lang="en-US" dirty="0"/>
-              <a:t>20-Jul-15</a:t>
+              <a:t>21-Jul-15</a:t>
             </a:fld>
             <a:endParaRPr lang="en-US" dirty="0"/>
           </a:p>
@@ -6181,7 +6291,7 @@
           <a:p>
             <a:fld id="{48A87A34-81AB-432B-8DAE-1953F412C126}" type="datetimeFigureOut">
               <a:rPr lang="en-US" dirty="0"/>
-              <a:t>20-Jul-15</a:t>
+              <a:t>21-Jul-15</a:t>
             </a:fld>
             <a:endParaRPr lang="en-US" dirty="0"/>
           </a:p>
@@ -6430,7 +6540,7 @@
             <a:fld id="{48A87A34-81AB-432B-8DAE-1953F412C126}" type="datetimeFigureOut">
               <a:rPr lang="en-US" dirty="0"/>
               <a:pPr/>
-              <a:t>20-Jul-15</a:t>
+              <a:t>21-Jul-15</a:t>
             </a:fld>
             <a:endParaRPr lang="en-US" dirty="0"/>
           </a:p>
@@ -16628,43 +16738,43 @@
               <a:buNone/>
             </a:pPr>
             <a:r>
-              <a:rPr lang="en-US" sz="1400" cap="none" dirty="0"/>
+              <a:rPr lang="en-US" sz="1600" cap="none" dirty="0"/>
               <a:t>[image_windows_2012_r2</a:t>
             </a:r>
             <a:r>
-              <a:rPr lang="en-US" sz="1400" cap="none" dirty="0" smtClean="0"/>
+              <a:rPr lang="en-US" sz="1600" cap="none" dirty="0" smtClean="0"/>
               <a:t>]</a:t>
             </a:r>
-            <a:endParaRPr lang="en-US" sz="1400" cap="none" dirty="0"/>
+            <a:endParaRPr lang="en-US" sz="1600" cap="none" dirty="0"/>
           </a:p>
           <a:p>
             <a:pPr marL="0" indent="0">
               <a:buNone/>
             </a:pPr>
             <a:r>
-              <a:rPr lang="en-US" sz="1400" cap="none" dirty="0" err="1"/>
+              <a:rPr lang="en-US" sz="1600" cap="none" dirty="0" err="1"/>
               <a:t>default_ci_username</a:t>
             </a:r>
             <a:r>
-              <a:rPr lang="en-US" sz="1400" cap="none" dirty="0"/>
+              <a:rPr lang="en-US" sz="1600" cap="none" dirty="0"/>
               <a:t> = </a:t>
             </a:r>
             <a:r>
-              <a:rPr lang="en-US" sz="1400" cap="none" dirty="0" err="1"/>
+              <a:rPr lang="en-US" sz="1600" cap="none" dirty="0" err="1"/>
               <a:t>CiAdmin</a:t>
             </a:r>
-            <a:endParaRPr lang="en-US" sz="1400" cap="none" dirty="0"/>
+            <a:endParaRPr lang="en-US" sz="1600" cap="none" dirty="0"/>
           </a:p>
           <a:p>
             <a:pPr marL="0" indent="0">
               <a:buNone/>
             </a:pPr>
             <a:r>
-              <a:rPr lang="en-US" sz="1400" cap="none" dirty="0" err="1"/>
+              <a:rPr lang="en-US" sz="1600" cap="none" dirty="0" err="1"/>
               <a:t>default_ci_password</a:t>
             </a:r>
             <a:r>
-              <a:rPr lang="en-US" sz="1400" cap="none" dirty="0"/>
+              <a:rPr lang="en-US" sz="1600" cap="none" dirty="0"/>
               <a:t> = Passw0rd</a:t>
             </a:r>
           </a:p>
@@ -16673,11 +16783,11 @@
               <a:buNone/>
             </a:pPr>
             <a:r>
-              <a:rPr lang="en-US" sz="1400" cap="none" dirty="0" err="1"/>
+              <a:rPr lang="en-US" sz="1600" cap="none" dirty="0" err="1"/>
               <a:t>image_ref</a:t>
             </a:r>
             <a:r>
-              <a:rPr lang="en-US" sz="1400" cap="none" dirty="0"/>
+              <a:rPr lang="en-US" sz="1600" cap="none" dirty="0"/>
               <a:t> = 9d56607b-88f2-405e-838b-6aefc037fb46</a:t>
             </a:r>
           </a:p>
@@ -16685,30 +16795,23 @@
             <a:pPr marL="0" indent="0">
               <a:buNone/>
             </a:pPr>
-            <a:r>
-              <a:rPr lang="en-US" sz="1400" cap="none" dirty="0" err="1"/>
-              <a:t>flavor_ref</a:t>
-            </a:r>
-            <a:r>
-              <a:rPr lang="en-US" sz="1400" cap="none" dirty="0"/>
-              <a:t> = 3</a:t>
-            </a:r>
+            <a:endParaRPr lang="en-US" sz="1600" cap="none" dirty="0" smtClean="0"/>
           </a:p>
           <a:p>
             <a:pPr marL="0" indent="0">
               <a:buNone/>
             </a:pPr>
             <a:r>
-              <a:rPr lang="en-US" sz="1400" cap="none" dirty="0" err="1"/>
-              <a:t>os_type</a:t>
-            </a:r>
-            <a:r>
-              <a:rPr lang="en-US" sz="1400" cap="none" dirty="0"/>
-              <a:t> = </a:t>
-            </a:r>
-            <a:r>
-              <a:rPr lang="en-US" sz="1400" cap="none" dirty="0" smtClean="0"/>
-              <a:t>Windows</a:t>
+              <a:rPr lang="en-US" sz="1600" cap="none" dirty="0" smtClean="0"/>
+              <a:t>[</a:t>
+            </a:r>
+            <a:r>
+              <a:rPr lang="en-US" sz="1600" cap="none" dirty="0" err="1"/>
+              <a:t>base_smoke_windows</a:t>
+            </a:r>
+            <a:r>
+              <a:rPr lang="en-US" sz="1600" cap="none" dirty="0"/>
+              <a:t>]</a:t>
             </a:r>
           </a:p>
           <a:p>
@@ -16716,16 +16819,12 @@
               <a:buNone/>
             </a:pPr>
             <a:r>
-              <a:rPr lang="en-US" sz="1400" cap="none" dirty="0"/>
-              <a:t>[</a:t>
-            </a:r>
-            <a:r>
-              <a:rPr lang="en-US" sz="1400" cap="none" dirty="0" err="1"/>
-              <a:t>base_smoke_windows</a:t>
-            </a:r>
-            <a:r>
-              <a:rPr lang="en-US" sz="1400" cap="none" dirty="0"/>
-              <a:t>]</a:t>
+              <a:rPr lang="en-US" sz="1600" cap="none" dirty="0" smtClean="0"/>
+              <a:t>type </a:t>
+            </a:r>
+            <a:r>
+              <a:rPr lang="en-US" sz="1600" cap="none" dirty="0"/>
+              <a:t>= smoke</a:t>
             </a:r>
           </a:p>
           <a:p>
@@ -16733,69 +16832,56 @@
               <a:buNone/>
             </a:pPr>
             <a:r>
-              <a:rPr lang="en-US" sz="1400" cap="none" dirty="0" smtClean="0"/>
-              <a:t>type </a:t>
-            </a:r>
-            <a:r>
-              <a:rPr lang="en-US" sz="1400" cap="none" dirty="0"/>
-              <a:t>= smoke</a:t>
-            </a:r>
+              <a:rPr lang="en-US" sz="1600" cap="none" dirty="0"/>
+              <a:t>scenario = </a:t>
+            </a:r>
+            <a:r>
+              <a:rPr lang="en-US" sz="1600" cap="none" dirty="0" err="1"/>
+              <a:t>argus.scenarios.cloud:BaseWindowsScenario</a:t>
+            </a:r>
+            <a:endParaRPr lang="en-US" sz="1600" cap="none" dirty="0"/>
           </a:p>
           <a:p>
             <a:pPr marL="0" indent="0">
               <a:buNone/>
             </a:pPr>
             <a:r>
-              <a:rPr lang="en-US" sz="1400" cap="none" dirty="0"/>
-              <a:t>scenario = </a:t>
-            </a:r>
-            <a:r>
-              <a:rPr lang="en-US" sz="1400" cap="none" dirty="0" err="1"/>
-              <a:t>argus.scenarios.cloud:BaseWindowsScenario</a:t>
-            </a:r>
-            <a:endParaRPr lang="en-US" sz="1400" cap="none" dirty="0"/>
+              <a:rPr lang="en-US" sz="1600" cap="none" dirty="0"/>
+              <a:t>recipe = </a:t>
+            </a:r>
+            <a:r>
+              <a:rPr lang="en-US" sz="1600" cap="none" dirty="0" err="1"/>
+              <a:t>argus.recipes.cloud.windows:CloudbaseinitRecipe</a:t>
+            </a:r>
+            <a:endParaRPr lang="en-US" sz="1600" cap="none" dirty="0"/>
           </a:p>
           <a:p>
             <a:pPr marL="0" indent="0">
               <a:buNone/>
             </a:pPr>
             <a:r>
-              <a:rPr lang="en-US" sz="1400" cap="none" dirty="0"/>
-              <a:t>recipe = </a:t>
-            </a:r>
-            <a:r>
-              <a:rPr lang="en-US" sz="1400" cap="none" dirty="0" err="1"/>
-              <a:t>argus.recipes.cloud.windows:CloudbaseinitRecipe</a:t>
-            </a:r>
-            <a:endParaRPr lang="en-US" sz="1400" cap="none" dirty="0"/>
+              <a:rPr lang="en-US" sz="1600" cap="none" dirty="0"/>
+              <a:t>introspection = </a:t>
+            </a:r>
+            <a:r>
+              <a:rPr lang="en-US" sz="1600" cap="none" dirty="0" err="1"/>
+              <a:t>argus.introspection.cloud.windows:InstanceIntrospection</a:t>
+            </a:r>
+            <a:endParaRPr lang="en-US" sz="1600" cap="none" dirty="0"/>
           </a:p>
           <a:p>
             <a:pPr marL="0" indent="0">
               <a:buNone/>
             </a:pPr>
             <a:r>
-              <a:rPr lang="en-US" sz="1400" cap="none" dirty="0"/>
-              <a:t>introspection = </a:t>
-            </a:r>
-            <a:r>
-              <a:rPr lang="en-US" sz="1400" cap="none" dirty="0" err="1"/>
-              <a:t>argus.introspection.cloud.windows:InstanceIntrospection</a:t>
-            </a:r>
-            <a:endParaRPr lang="en-US" sz="1400" cap="none" dirty="0"/>
-          </a:p>
-          <a:p>
-            <a:pPr marL="0" indent="0">
-              <a:buNone/>
-            </a:pPr>
-            <a:r>
-              <a:rPr lang="en-US" sz="1400" cap="none" dirty="0" smtClean="0"/>
+              <a:rPr lang="en-US" sz="1600" cap="none" dirty="0" smtClean="0"/>
               <a:t>images </a:t>
             </a:r>
             <a:r>
-              <a:rPr lang="en-US" sz="1400" cap="none" dirty="0"/>
+              <a:rPr lang="en-US" sz="1600" cap="none" dirty="0"/>
               <a:t>= windows_2012_r2</a:t>
             </a:r>
-            <a:endParaRPr lang="en-US" sz="1400" cap="none" dirty="0" smtClean="0"/>
+            <a:endParaRPr lang="en-US" sz="1600" cap="none" dirty="0" smtClean="0"/>
           </a:p>
         </p:txBody>
       </p:sp>
@@ -17111,11 +17197,7 @@
             </a:pPr>
             <a:r>
               <a:rPr lang="en-US" sz="2400" cap="none" dirty="0" smtClean="0"/>
-              <a:t>Environments </a:t>
-            </a:r>
-            <a:r>
-              <a:rPr lang="en-US" sz="2400" cap="none" dirty="0" smtClean="0"/>
-              <a:t>(start/stop, settings)</a:t>
+              <a:t>Environments (start/stop, settings)</a:t>
             </a:r>
           </a:p>
           <a:p>
@@ -17143,13 +17225,8 @@
             </a:r>
             <a:r>
               <a:rPr lang="en-US" sz="2400" cap="none" dirty="0" smtClean="0"/>
-              <a:t> </a:t>
-            </a:r>
-            <a:r>
-              <a:rPr lang="en-US" sz="2400" cap="none" dirty="0" smtClean="0"/>
-              <a:t>options</a:t>
-            </a:r>
-            <a:endParaRPr lang="en-US" sz="2400" cap="none" dirty="0" smtClean="0"/>
+              <a:t> options</a:t>
+            </a:r>
           </a:p>
         </p:txBody>
       </p:sp>
@@ -19283,7 +19360,7 @@
           <p:nvPr/>
         </p:nvPicPr>
         <p:blipFill>
-          <a:blip r:embed="rId2">
+          <a:blip r:embed="rId3">
             <a:extLst>
               <a:ext uri="{28A0092B-C50C-407E-A947-70E740481C1C}">
                 <a14:useLocalDpi xmlns:a14="http://schemas.microsoft.com/office/drawing/2010/main" val="0"/>
